--- a/assets/MobProgrammingExample.pptx
+++ b/assets/MobProgrammingExample.pptx
@@ -5,34 +5,32 @@
     <p:sldMasterId id="2147483648" r:id="rId1"/>
   </p:sldMasterIdLst>
   <p:notesMasterIdLst>
-    <p:notesMasterId r:id="rId27"/>
+    <p:notesMasterId r:id="rId25"/>
   </p:notesMasterIdLst>
   <p:sldIdLst>
     <p:sldId id="258" r:id="rId2"/>
-    <p:sldId id="262" r:id="rId3"/>
-    <p:sldId id="263" r:id="rId4"/>
-    <p:sldId id="264" r:id="rId5"/>
-    <p:sldId id="265" r:id="rId6"/>
-    <p:sldId id="266" r:id="rId7"/>
-    <p:sldId id="269" r:id="rId8"/>
-    <p:sldId id="270" r:id="rId9"/>
-    <p:sldId id="267" r:id="rId10"/>
-    <p:sldId id="268" r:id="rId11"/>
-    <p:sldId id="257" r:id="rId12"/>
-    <p:sldId id="271" r:id="rId13"/>
-    <p:sldId id="272" r:id="rId14"/>
-    <p:sldId id="273" r:id="rId15"/>
-    <p:sldId id="274" r:id="rId16"/>
+    <p:sldId id="285" r:id="rId3"/>
+    <p:sldId id="262" r:id="rId4"/>
+    <p:sldId id="263" r:id="rId5"/>
+    <p:sldId id="264" r:id="rId6"/>
+    <p:sldId id="265" r:id="rId7"/>
+    <p:sldId id="266" r:id="rId8"/>
+    <p:sldId id="269" r:id="rId9"/>
+    <p:sldId id="270" r:id="rId10"/>
+    <p:sldId id="267" r:id="rId11"/>
+    <p:sldId id="268" r:id="rId12"/>
+    <p:sldId id="257" r:id="rId13"/>
+    <p:sldId id="271" r:id="rId14"/>
+    <p:sldId id="272" r:id="rId15"/>
+    <p:sldId id="273" r:id="rId16"/>
     <p:sldId id="275" r:id="rId17"/>
-    <p:sldId id="276" r:id="rId18"/>
-    <p:sldId id="277" r:id="rId19"/>
-    <p:sldId id="278" r:id="rId20"/>
-    <p:sldId id="279" r:id="rId21"/>
-    <p:sldId id="280" r:id="rId22"/>
-    <p:sldId id="281" r:id="rId23"/>
-    <p:sldId id="282" r:id="rId24"/>
-    <p:sldId id="283" r:id="rId25"/>
-    <p:sldId id="284" r:id="rId26"/>
+    <p:sldId id="279" r:id="rId18"/>
+    <p:sldId id="280" r:id="rId19"/>
+    <p:sldId id="281" r:id="rId20"/>
+    <p:sldId id="282" r:id="rId21"/>
+    <p:sldId id="283" r:id="rId22"/>
+    <p:sldId id="284" r:id="rId23"/>
+    <p:sldId id="286" r:id="rId24"/>
   </p:sldIdLst>
   <p:sldSz cx="12192000" cy="6858000"/>
   <p:notesSz cx="6858000" cy="9144000"/>
@@ -131,6 +129,11 @@
       </a:defRPr>
     </a:lvl9pPr>
   </p:defaultTextStyle>
+  <p:extLst>
+    <p:ext uri="{EFAFB233-063F-42B5-8137-9DF3F51BA10A}">
+      <p15:sldGuideLst xmlns:p15="http://schemas.microsoft.com/office/powerpoint/2012/main"/>
+    </p:ext>
+  </p:extLst>
 </p:presentation>
 </file>
 
@@ -216,7 +219,7 @@
           <a:p>
             <a:fld id="{58D14550-C35E-2A41-BB6C-F9F2397317B1}" type="datetimeFigureOut">
               <a:rPr lang="en-US" smtClean="0"/>
-              <a:t>2/10/17</a:t>
+              <a:t>2/11/17</a:t>
             </a:fld>
             <a:endParaRPr lang="en-US"/>
           </a:p>
@@ -615,7 +618,7 @@
           <a:p>
             <a:fld id="{270CBAE2-87F3-0943-AF14-B3DF6A1A91C3}" type="datetimeFigureOut">
               <a:rPr lang="en-US" smtClean="0"/>
-              <a:t>2/10/17</a:t>
+              <a:t>2/11/17</a:t>
             </a:fld>
             <a:endParaRPr lang="en-US"/>
           </a:p>
@@ -785,7 +788,7 @@
           <a:p>
             <a:fld id="{270CBAE2-87F3-0943-AF14-B3DF6A1A91C3}" type="datetimeFigureOut">
               <a:rPr lang="en-US" smtClean="0"/>
-              <a:t>2/10/17</a:t>
+              <a:t>2/11/17</a:t>
             </a:fld>
             <a:endParaRPr lang="en-US"/>
           </a:p>
@@ -965,7 +968,7 @@
           <a:p>
             <a:fld id="{270CBAE2-87F3-0943-AF14-B3DF6A1A91C3}" type="datetimeFigureOut">
               <a:rPr lang="en-US" smtClean="0"/>
-              <a:t>2/10/17</a:t>
+              <a:t>2/11/17</a:t>
             </a:fld>
             <a:endParaRPr lang="en-US"/>
           </a:p>
@@ -1135,7 +1138,7 @@
           <a:p>
             <a:fld id="{270CBAE2-87F3-0943-AF14-B3DF6A1A91C3}" type="datetimeFigureOut">
               <a:rPr lang="en-US" smtClean="0"/>
-              <a:t>2/10/17</a:t>
+              <a:t>2/11/17</a:t>
             </a:fld>
             <a:endParaRPr lang="en-US"/>
           </a:p>
@@ -1381,7 +1384,7 @@
           <a:p>
             <a:fld id="{270CBAE2-87F3-0943-AF14-B3DF6A1A91C3}" type="datetimeFigureOut">
               <a:rPr lang="en-US" smtClean="0"/>
-              <a:t>2/10/17</a:t>
+              <a:t>2/11/17</a:t>
             </a:fld>
             <a:endParaRPr lang="en-US"/>
           </a:p>
@@ -1613,7 +1616,7 @@
           <a:p>
             <a:fld id="{270CBAE2-87F3-0943-AF14-B3DF6A1A91C3}" type="datetimeFigureOut">
               <a:rPr lang="en-US" smtClean="0"/>
-              <a:t>2/10/17</a:t>
+              <a:t>2/11/17</a:t>
             </a:fld>
             <a:endParaRPr lang="en-US"/>
           </a:p>
@@ -1980,7 +1983,7 @@
           <a:p>
             <a:fld id="{270CBAE2-87F3-0943-AF14-B3DF6A1A91C3}" type="datetimeFigureOut">
               <a:rPr lang="en-US" smtClean="0"/>
-              <a:t>2/10/17</a:t>
+              <a:t>2/11/17</a:t>
             </a:fld>
             <a:endParaRPr lang="en-US"/>
           </a:p>
@@ -2098,7 +2101,7 @@
           <a:p>
             <a:fld id="{270CBAE2-87F3-0943-AF14-B3DF6A1A91C3}" type="datetimeFigureOut">
               <a:rPr lang="en-US" smtClean="0"/>
-              <a:t>2/10/17</a:t>
+              <a:t>2/11/17</a:t>
             </a:fld>
             <a:endParaRPr lang="en-US"/>
           </a:p>
@@ -2193,7 +2196,7 @@
           <a:p>
             <a:fld id="{270CBAE2-87F3-0943-AF14-B3DF6A1A91C3}" type="datetimeFigureOut">
               <a:rPr lang="en-US" smtClean="0"/>
-              <a:t>2/10/17</a:t>
+              <a:t>2/11/17</a:t>
             </a:fld>
             <a:endParaRPr lang="en-US"/>
           </a:p>
@@ -2470,7 +2473,7 @@
           <a:p>
             <a:fld id="{270CBAE2-87F3-0943-AF14-B3DF6A1A91C3}" type="datetimeFigureOut">
               <a:rPr lang="en-US" smtClean="0"/>
-              <a:t>2/10/17</a:t>
+              <a:t>2/11/17</a:t>
             </a:fld>
             <a:endParaRPr lang="en-US"/>
           </a:p>
@@ -2723,7 +2726,7 @@
           <a:p>
             <a:fld id="{270CBAE2-87F3-0943-AF14-B3DF6A1A91C3}" type="datetimeFigureOut">
               <a:rPr lang="en-US" smtClean="0"/>
-              <a:t>2/10/17</a:t>
+              <a:t>2/11/17</a:t>
             </a:fld>
             <a:endParaRPr lang="en-US"/>
           </a:p>
@@ -2936,7 +2939,7 @@
           <a:p>
             <a:fld id="{270CBAE2-87F3-0943-AF14-B3DF6A1A91C3}" type="datetimeFigureOut">
               <a:rPr lang="en-US" smtClean="0"/>
-              <a:t>2/10/17</a:t>
+              <a:t>2/11/17</a:t>
             </a:fld>
             <a:endParaRPr lang="en-US"/>
           </a:p>
@@ -3363,6 +3366,231 @@
         </p:blipFill>
         <p:spPr>
           <a:xfrm>
+            <a:off x="4730003" y="3280298"/>
+            <a:ext cx="2531852" cy="1301937"/>
+          </a:xfrm>
+          <a:prstGeom prst="rect">
+            <a:avLst/>
+          </a:prstGeom>
+        </p:spPr>
+      </p:pic>
+      <p:pic>
+        <p:nvPicPr>
+          <p:cNvPr id="12" name="Picture 11"/>
+          <p:cNvPicPr>
+            <a:picLocks noChangeAspect="1"/>
+          </p:cNvPicPr>
+          <p:nvPr/>
+        </p:nvPicPr>
+        <p:blipFill>
+          <a:blip r:embed="rId3">
+            <a:extLst>
+              <a:ext uri="{28A0092B-C50C-407E-A947-70E740481C1C}">
+                <a14:useLocalDpi xmlns:a14="http://schemas.microsoft.com/office/drawing/2010/main" val="0"/>
+              </a:ext>
+            </a:extLst>
+          </a:blip>
+          <a:stretch>
+            <a:fillRect/>
+          </a:stretch>
+        </p:blipFill>
+        <p:spPr>
+          <a:xfrm>
+            <a:off x="3807457" y="-576470"/>
+            <a:ext cx="4376945" cy="4376945"/>
+          </a:xfrm>
+          <a:prstGeom prst="rect">
+            <a:avLst/>
+          </a:prstGeom>
+        </p:spPr>
+      </p:pic>
+      <p:pic>
+        <p:nvPicPr>
+          <p:cNvPr id="17" name="Picture 16"/>
+          <p:cNvPicPr>
+            <a:picLocks noChangeAspect="1"/>
+          </p:cNvPicPr>
+          <p:nvPr/>
+        </p:nvPicPr>
+        <p:blipFill>
+          <a:blip r:embed="rId4">
+            <a:extLst>
+              <a:ext uri="{28A0092B-C50C-407E-A947-70E740481C1C}">
+                <a14:useLocalDpi xmlns:a14="http://schemas.microsoft.com/office/drawing/2010/main" val="0"/>
+              </a:ext>
+            </a:extLst>
+          </a:blip>
+          <a:stretch>
+            <a:fillRect/>
+          </a:stretch>
+        </p:blipFill>
+        <p:spPr>
+          <a:xfrm>
+            <a:off x="4451993" y="5048666"/>
+            <a:ext cx="1270000" cy="1651000"/>
+          </a:xfrm>
+          <a:prstGeom prst="rect">
+            <a:avLst/>
+          </a:prstGeom>
+        </p:spPr>
+      </p:pic>
+      <p:pic>
+        <p:nvPicPr>
+          <p:cNvPr id="18" name="Picture 17"/>
+          <p:cNvPicPr>
+            <a:picLocks noChangeAspect="1"/>
+          </p:cNvPicPr>
+          <p:nvPr/>
+        </p:nvPicPr>
+        <p:blipFill>
+          <a:blip r:embed="rId5">
+            <a:extLst>
+              <a:ext uri="{28A0092B-C50C-407E-A947-70E740481C1C}">
+                <a14:useLocalDpi xmlns:a14="http://schemas.microsoft.com/office/drawing/2010/main" val="0"/>
+              </a:ext>
+            </a:extLst>
+          </a:blip>
+          <a:stretch>
+            <a:fillRect/>
+          </a:stretch>
+        </p:blipFill>
+        <p:spPr>
+          <a:xfrm>
+            <a:off x="5995929" y="5048666"/>
+            <a:ext cx="1270000" cy="1651000"/>
+          </a:xfrm>
+          <a:prstGeom prst="rect">
+            <a:avLst/>
+          </a:prstGeom>
+        </p:spPr>
+      </p:pic>
+      <p:pic>
+        <p:nvPicPr>
+          <p:cNvPr id="21" name="Picture 20"/>
+          <p:cNvPicPr>
+            <a:picLocks noChangeAspect="1"/>
+          </p:cNvPicPr>
+          <p:nvPr/>
+        </p:nvPicPr>
+        <p:blipFill>
+          <a:blip r:embed="rId6">
+            <a:extLst>
+              <a:ext uri="{28A0092B-C50C-407E-A947-70E740481C1C}">
+                <a14:useLocalDpi xmlns:a14="http://schemas.microsoft.com/office/drawing/2010/main" val="0"/>
+              </a:ext>
+            </a:extLst>
+          </a:blip>
+          <a:stretch>
+            <a:fillRect/>
+          </a:stretch>
+        </p:blipFill>
+        <p:spPr>
+          <a:xfrm>
+            <a:off x="7595817" y="5048666"/>
+            <a:ext cx="1270000" cy="1651000"/>
+          </a:xfrm>
+          <a:prstGeom prst="rect">
+            <a:avLst/>
+          </a:prstGeom>
+        </p:spPr>
+      </p:pic>
+      <p:pic>
+        <p:nvPicPr>
+          <p:cNvPr id="22" name="Picture 21"/>
+          <p:cNvPicPr>
+            <a:picLocks noChangeAspect="1"/>
+          </p:cNvPicPr>
+          <p:nvPr/>
+        </p:nvPicPr>
+        <p:blipFill>
+          <a:blip r:embed="rId7">
+            <a:extLst>
+              <a:ext uri="{28A0092B-C50C-407E-A947-70E740481C1C}">
+                <a14:useLocalDpi xmlns:a14="http://schemas.microsoft.com/office/drawing/2010/main" val="0"/>
+              </a:ext>
+            </a:extLst>
+          </a:blip>
+          <a:stretch>
+            <a:fillRect/>
+          </a:stretch>
+        </p:blipFill>
+        <p:spPr>
+          <a:xfrm>
+            <a:off x="2924865" y="5048666"/>
+            <a:ext cx="1270000" cy="1651000"/>
+          </a:xfrm>
+          <a:prstGeom prst="rect">
+            <a:avLst/>
+          </a:prstGeom>
+        </p:spPr>
+      </p:pic>
+    </p:spTree>
+    <p:extLst>
+      <p:ext uri="{BB962C8B-B14F-4D97-AF65-F5344CB8AC3E}">
+        <p14:creationId xmlns:p14="http://schemas.microsoft.com/office/powerpoint/2010/main" val="1463852072"/>
+      </p:ext>
+    </p:extLst>
+  </p:cSld>
+  <p:clrMapOvr>
+    <a:masterClrMapping/>
+  </p:clrMapOvr>
+  <mc:AlternateContent xmlns:mc="http://schemas.openxmlformats.org/markup-compatibility/2006">
+    <mc:Choice xmlns:p14="http://schemas.microsoft.com/office/powerpoint/2010/main" Requires="p14">
+      <p:transition p14:dur="0" advTm="500"/>
+    </mc:Choice>
+    <mc:Fallback>
+      <p:transition advTm="500"/>
+    </mc:Fallback>
+  </mc:AlternateContent>
+  <p:timing>
+    <p:tnLst>
+      <p:par>
+        <p:cTn id="1" dur="indefinite" restart="never" nodeType="tmRoot"/>
+      </p:par>
+    </p:tnLst>
+  </p:timing>
+</p:sld>
+</file>
+
+<file path=ppt/slides/slide10.xml><?xml version="1.0" encoding="utf-8"?>
+<p:sld xmlns:a="http://schemas.openxmlformats.org/drawingml/2006/main" xmlns:r="http://schemas.openxmlformats.org/officeDocument/2006/relationships" xmlns:p="http://schemas.openxmlformats.org/presentationml/2006/main">
+  <p:cSld>
+    <p:spTree>
+      <p:nvGrpSpPr>
+        <p:cNvPr id="1" name=""/>
+        <p:cNvGrpSpPr/>
+        <p:nvPr/>
+      </p:nvGrpSpPr>
+      <p:grpSpPr>
+        <a:xfrm>
+          <a:off x="0" y="0"/>
+          <a:ext cx="0" cy="0"/>
+          <a:chOff x="0" y="0"/>
+          <a:chExt cx="0" cy="0"/>
+        </a:xfrm>
+      </p:grpSpPr>
+      <p:pic>
+        <p:nvPicPr>
+          <p:cNvPr id="14" name="Picture 13"/>
+          <p:cNvPicPr>
+            <a:picLocks noChangeAspect="1"/>
+          </p:cNvPicPr>
+          <p:nvPr/>
+        </p:nvPicPr>
+        <p:blipFill>
+          <a:blip r:embed="rId2">
+            <a:extLst>
+              <a:ext uri="{28A0092B-C50C-407E-A947-70E740481C1C}">
+                <a14:useLocalDpi xmlns:a14="http://schemas.microsoft.com/office/drawing/2010/main" val="0"/>
+              </a:ext>
+            </a:extLst>
+          </a:blip>
+          <a:stretch>
+            <a:fillRect/>
+          </a:stretch>
+        </p:blipFill>
+        <p:spPr>
+          <a:xfrm>
             <a:off x="5204519" y="3280298"/>
             <a:ext cx="2531852" cy="1301937"/>
           </a:xfrm>
@@ -3559,8 +3787,8 @@
         </p:nvSpPr>
         <p:spPr>
           <a:xfrm>
-            <a:off x="7916074" y="2023522"/>
-            <a:ext cx="1223413" cy="1323439"/>
+            <a:off x="8175759" y="2023522"/>
+            <a:ext cx="704040" cy="1323439"/>
           </a:xfrm>
           <a:prstGeom prst="rect">
             <a:avLst/>
@@ -3575,7 +3803,7 @@
           <a:p>
             <a:pPr algn="ctr"/>
             <a:r>
-              <a:rPr lang="en-AU" sz="8000" b="0" cap="none" spc="0" dirty="0" smtClean="0">
+              <a:rPr lang="en-AU" sz="8000" dirty="0">
                 <a:ln w="0"/>
                 <a:solidFill>
                   <a:schemeClr val="accent1"/>
@@ -3588,9 +3816,9 @@
                   </a:outerShdw>
                 </a:effectLst>
               </a:rPr>
-              <a:t>10</a:t>
+              <a:t>2</a:t>
             </a:r>
-            <a:endParaRPr lang="en-AU" sz="7200" b="0" cap="none" spc="0" dirty="0">
+            <a:endParaRPr lang="en-AU" sz="8000" b="0" cap="none" spc="0" dirty="0">
               <a:ln w="0"/>
               <a:solidFill>
                 <a:schemeClr val="accent1"/>
@@ -3608,17 +3836,20 @@
       </p:sp>
       <p:sp>
         <p:nvSpPr>
-          <p:cNvPr id="2" name="Oval Callout 1"/>
+          <p:cNvPr id="10" name="Oval Callout 9"/>
           <p:cNvSpPr/>
           <p:nvPr/>
         </p:nvSpPr>
         <p:spPr>
           <a:xfrm>
-            <a:off x="8295770" y="3848932"/>
-            <a:ext cx="1942731" cy="1199734"/>
+            <a:off x="3479336" y="4105598"/>
+            <a:ext cx="1431058" cy="429863"/>
           </a:xfrm>
           <a:prstGeom prst="wedgeEllipseCallout">
-            <a:avLst/>
+            <a:avLst>
+              <a:gd name="adj1" fmla="val 28290"/>
+              <a:gd name="adj2" fmla="val 142760"/>
+            </a:avLst>
           </a:prstGeom>
         </p:spPr>
         <p:style>
@@ -3649,25 +3880,16 @@
     </p:spTree>
     <p:extLst>
       <p:ext uri="{BB962C8B-B14F-4D97-AF65-F5344CB8AC3E}">
-        <p14:creationId xmlns:p14="http://schemas.microsoft.com/office/powerpoint/2010/main" val="1463852072"/>
+        <p14:creationId xmlns:p14="http://schemas.microsoft.com/office/powerpoint/2010/main" val="1350847639"/>
       </p:ext>
     </p:extLst>
   </p:cSld>
   <p:clrMapOvr>
     <a:masterClrMapping/>
   </p:clrMapOvr>
-  <mc:AlternateContent xmlns:mc="http://schemas.openxmlformats.org/markup-compatibility/2006">
-    <mc:Choice xmlns:p159="http://schemas.microsoft.com/office/powerpoint/2015/09/main" Requires="p159">
-      <p:transition spd="slow" advTm="500">
-        <p159:morph option="byObject"/>
-      </p:transition>
-    </mc:Choice>
-    <mc:Fallback>
-      <p:transition spd="slow" advTm="500">
-        <p:fade/>
-      </p:transition>
-    </mc:Fallback>
-  </mc:AlternateContent>
+  <p:transition advTm="500">
+    <p:fade/>
+  </p:transition>
   <p:timing>
     <p:tnLst>
       <p:par>
@@ -3678,7 +3900,7 @@
 </p:sld>
 </file>
 
-<file path=ppt/slides/slide10.xml><?xml version="1.0" encoding="utf-8"?>
+<file path=ppt/slides/slide11.xml><?xml version="1.0" encoding="utf-8"?>
 <p:sld xmlns:a="http://schemas.openxmlformats.org/drawingml/2006/main" xmlns:r="http://schemas.openxmlformats.org/officeDocument/2006/relationships" xmlns:p="http://schemas.openxmlformats.org/presentationml/2006/main">
   <p:cSld>
     <p:spTree>
@@ -3970,247 +4192,9 @@
   <p:clrMapOvr>
     <a:masterClrMapping/>
   </p:clrMapOvr>
-  <mc:AlternateContent xmlns:mc="http://schemas.openxmlformats.org/markup-compatibility/2006">
-    <mc:Choice xmlns:p14="http://schemas.microsoft.com/office/powerpoint/2010/main" Requires="p14">
-      <p:transition spd="med" p14:dur="700" advTm="500">
-        <p:fade/>
-      </p:transition>
-    </mc:Choice>
-    <mc:Fallback>
-      <p:transition spd="med" advTm="500">
-        <p:fade/>
-      </p:transition>
-    </mc:Fallback>
-  </mc:AlternateContent>
-  <p:timing>
-    <p:tnLst>
-      <p:par>
-        <p:cTn id="1" dur="indefinite" restart="never" nodeType="tmRoot"/>
-      </p:par>
-    </p:tnLst>
-  </p:timing>
-</p:sld>
-</file>
-
-<file path=ppt/slides/slide11.xml><?xml version="1.0" encoding="utf-8"?>
-<p:sld xmlns:a="http://schemas.openxmlformats.org/drawingml/2006/main" xmlns:r="http://schemas.openxmlformats.org/officeDocument/2006/relationships" xmlns:p="http://schemas.openxmlformats.org/presentationml/2006/main">
-  <p:cSld>
-    <p:spTree>
-      <p:nvGrpSpPr>
-        <p:cNvPr id="1" name=""/>
-        <p:cNvGrpSpPr/>
-        <p:nvPr/>
-      </p:nvGrpSpPr>
-      <p:grpSpPr>
-        <a:xfrm>
-          <a:off x="0" y="0"/>
-          <a:ext cx="0" cy="0"/>
-          <a:chOff x="0" y="0"/>
-          <a:chExt cx="0" cy="0"/>
-        </a:xfrm>
-      </p:grpSpPr>
-      <p:pic>
-        <p:nvPicPr>
-          <p:cNvPr id="14" name="Picture 13"/>
-          <p:cNvPicPr>
-            <a:picLocks noChangeAspect="1"/>
-          </p:cNvPicPr>
-          <p:nvPr/>
-        </p:nvPicPr>
-        <p:blipFill>
-          <a:blip r:embed="rId2">
-            <a:extLst>
-              <a:ext uri="{28A0092B-C50C-407E-A947-70E740481C1C}">
-                <a14:useLocalDpi xmlns:a14="http://schemas.microsoft.com/office/drawing/2010/main" val="0"/>
-              </a:ext>
-            </a:extLst>
-          </a:blip>
-          <a:stretch>
-            <a:fillRect/>
-          </a:stretch>
-        </p:blipFill>
-        <p:spPr>
-          <a:xfrm>
-            <a:off x="6288250" y="3280298"/>
-            <a:ext cx="2531852" cy="1301937"/>
-          </a:xfrm>
-          <a:prstGeom prst="rect">
-            <a:avLst/>
-          </a:prstGeom>
-        </p:spPr>
-      </p:pic>
-      <p:pic>
-        <p:nvPicPr>
-          <p:cNvPr id="12" name="Picture 11"/>
-          <p:cNvPicPr>
-            <a:picLocks noChangeAspect="1"/>
-          </p:cNvPicPr>
-          <p:nvPr/>
-        </p:nvPicPr>
-        <p:blipFill>
-          <a:blip r:embed="rId3">
-            <a:extLst>
-              <a:ext uri="{28A0092B-C50C-407E-A947-70E740481C1C}">
-                <a14:useLocalDpi xmlns:a14="http://schemas.microsoft.com/office/drawing/2010/main" val="0"/>
-              </a:ext>
-            </a:extLst>
-          </a:blip>
-          <a:stretch>
-            <a:fillRect/>
-          </a:stretch>
-        </p:blipFill>
-        <p:spPr>
-          <a:xfrm>
-            <a:off x="3807457" y="-576470"/>
-            <a:ext cx="4376945" cy="4376945"/>
-          </a:xfrm>
-          <a:prstGeom prst="rect">
-            <a:avLst/>
-          </a:prstGeom>
-        </p:spPr>
-      </p:pic>
-      <p:pic>
-        <p:nvPicPr>
-          <p:cNvPr id="17" name="Picture 16"/>
-          <p:cNvPicPr>
-            <a:picLocks noChangeAspect="1"/>
-          </p:cNvPicPr>
-          <p:nvPr/>
-        </p:nvPicPr>
-        <p:blipFill>
-          <a:blip r:embed="rId4">
-            <a:extLst>
-              <a:ext uri="{28A0092B-C50C-407E-A947-70E740481C1C}">
-                <a14:useLocalDpi xmlns:a14="http://schemas.microsoft.com/office/drawing/2010/main" val="0"/>
-              </a:ext>
-            </a:extLst>
-          </a:blip>
-          <a:stretch>
-            <a:fillRect/>
-          </a:stretch>
-        </p:blipFill>
-        <p:spPr>
-          <a:xfrm>
-            <a:off x="4451993" y="5048666"/>
-            <a:ext cx="1270000" cy="1651000"/>
-          </a:xfrm>
-          <a:prstGeom prst="rect">
-            <a:avLst/>
-          </a:prstGeom>
-        </p:spPr>
-      </p:pic>
-      <p:pic>
-        <p:nvPicPr>
-          <p:cNvPr id="18" name="Picture 17"/>
-          <p:cNvPicPr>
-            <a:picLocks noChangeAspect="1"/>
-          </p:cNvPicPr>
-          <p:nvPr/>
-        </p:nvPicPr>
-        <p:blipFill>
-          <a:blip r:embed="rId5">
-            <a:extLst>
-              <a:ext uri="{28A0092B-C50C-407E-A947-70E740481C1C}">
-                <a14:useLocalDpi xmlns:a14="http://schemas.microsoft.com/office/drawing/2010/main" val="0"/>
-              </a:ext>
-            </a:extLst>
-          </a:blip>
-          <a:stretch>
-            <a:fillRect/>
-          </a:stretch>
-        </p:blipFill>
-        <p:spPr>
-          <a:xfrm>
-            <a:off x="5995929" y="5048666"/>
-            <a:ext cx="1270000" cy="1651000"/>
-          </a:xfrm>
-          <a:prstGeom prst="rect">
-            <a:avLst/>
-          </a:prstGeom>
-        </p:spPr>
-      </p:pic>
-      <p:pic>
-        <p:nvPicPr>
-          <p:cNvPr id="21" name="Picture 20"/>
-          <p:cNvPicPr>
-            <a:picLocks noChangeAspect="1"/>
-          </p:cNvPicPr>
-          <p:nvPr/>
-        </p:nvPicPr>
-        <p:blipFill>
-          <a:blip r:embed="rId6">
-            <a:extLst>
-              <a:ext uri="{28A0092B-C50C-407E-A947-70E740481C1C}">
-                <a14:useLocalDpi xmlns:a14="http://schemas.microsoft.com/office/drawing/2010/main" val="0"/>
-              </a:ext>
-            </a:extLst>
-          </a:blip>
-          <a:stretch>
-            <a:fillRect/>
-          </a:stretch>
-        </p:blipFill>
-        <p:spPr>
-          <a:xfrm>
-            <a:off x="7595817" y="4371335"/>
-            <a:ext cx="1270000" cy="1651000"/>
-          </a:xfrm>
-          <a:prstGeom prst="rect">
-            <a:avLst/>
-          </a:prstGeom>
-        </p:spPr>
-      </p:pic>
-      <p:pic>
-        <p:nvPicPr>
-          <p:cNvPr id="22" name="Picture 21"/>
-          <p:cNvPicPr>
-            <a:picLocks noChangeAspect="1"/>
-          </p:cNvPicPr>
-          <p:nvPr/>
-        </p:nvPicPr>
-        <p:blipFill>
-          <a:blip r:embed="rId7">
-            <a:extLst>
-              <a:ext uri="{28A0092B-C50C-407E-A947-70E740481C1C}">
-                <a14:useLocalDpi xmlns:a14="http://schemas.microsoft.com/office/drawing/2010/main" val="0"/>
-              </a:ext>
-            </a:extLst>
-          </a:blip>
-          <a:stretch>
-            <a:fillRect/>
-          </a:stretch>
-        </p:blipFill>
-        <p:spPr>
-          <a:xfrm>
-            <a:off x="2924865" y="5048666"/>
-            <a:ext cx="1270000" cy="1651000"/>
-          </a:xfrm>
-          <a:prstGeom prst="rect">
-            <a:avLst/>
-          </a:prstGeom>
-        </p:spPr>
-      </p:pic>
-    </p:spTree>
-    <p:extLst>
-      <p:ext uri="{BB962C8B-B14F-4D97-AF65-F5344CB8AC3E}">
-        <p14:creationId xmlns:p14="http://schemas.microsoft.com/office/powerpoint/2010/main" val="1254977047"/>
-      </p:ext>
-    </p:extLst>
-  </p:cSld>
-  <p:clrMapOvr>
-    <a:masterClrMapping/>
-  </p:clrMapOvr>
-  <mc:AlternateContent xmlns:mc="http://schemas.openxmlformats.org/markup-compatibility/2006">
-    <mc:Choice xmlns:p159="http://schemas.microsoft.com/office/powerpoint/2015/09/main" Requires="p159">
-      <p:transition xmlns:p14="http://schemas.microsoft.com/office/powerpoint/2010/main" spd="slow" p14:dur="2000" advTm="100">
-        <p159:morph option="byObject"/>
-      </p:transition>
-    </mc:Choice>
-    <mc:Fallback>
-      <p:transition spd="slow" advTm="100">
-        <p:fade/>
-      </p:transition>
-    </mc:Fallback>
-  </mc:AlternateContent>
+  <p:transition advTm="500">
+    <p:fade/>
+  </p:transition>
   <p:timing>
     <p:tnLst>
       <p:par>
@@ -4300,7 +4284,7 @@
       </p:pic>
       <p:pic>
         <p:nvPicPr>
-          <p:cNvPr id="15" name="Picture 14"/>
+          <p:cNvPr id="17" name="Picture 16"/>
           <p:cNvPicPr>
             <a:picLocks noChangeAspect="1"/>
           </p:cNvPicPr>
@@ -4308,36 +4292,6 @@
         </p:nvPicPr>
         <p:blipFill>
           <a:blip r:embed="rId4">
-            <a:extLst>
-              <a:ext uri="{28A0092B-C50C-407E-A947-70E740481C1C}">
-                <a14:useLocalDpi xmlns:a14="http://schemas.microsoft.com/office/drawing/2010/main" val="0"/>
-              </a:ext>
-            </a:extLst>
-          </a:blip>
-          <a:stretch>
-            <a:fillRect/>
-          </a:stretch>
-        </p:blipFill>
-        <p:spPr>
-          <a:xfrm>
-            <a:off x="7788425" y="614519"/>
-            <a:ext cx="1478711" cy="1478711"/>
-          </a:xfrm>
-          <a:prstGeom prst="rect">
-            <a:avLst/>
-          </a:prstGeom>
-        </p:spPr>
-      </p:pic>
-      <p:pic>
-        <p:nvPicPr>
-          <p:cNvPr id="17" name="Picture 16"/>
-          <p:cNvPicPr>
-            <a:picLocks noChangeAspect="1"/>
-          </p:cNvPicPr>
-          <p:nvPr/>
-        </p:nvPicPr>
-        <p:blipFill>
-          <a:blip r:embed="rId5">
             <a:extLst>
               <a:ext uri="{28A0092B-C50C-407E-A947-70E740481C1C}">
                 <a14:useLocalDpi xmlns:a14="http://schemas.microsoft.com/office/drawing/2010/main" val="0"/>
@@ -4367,7 +4321,7 @@
           <p:nvPr/>
         </p:nvPicPr>
         <p:blipFill>
-          <a:blip r:embed="rId6">
+          <a:blip r:embed="rId5">
             <a:extLst>
               <a:ext uri="{28A0092B-C50C-407E-A947-70E740481C1C}">
                 <a14:useLocalDpi xmlns:a14="http://schemas.microsoft.com/office/drawing/2010/main" val="0"/>
@@ -4397,7 +4351,7 @@
           <p:nvPr/>
         </p:nvPicPr>
         <p:blipFill>
-          <a:blip r:embed="rId7">
+          <a:blip r:embed="rId6">
             <a:extLst>
               <a:ext uri="{28A0092B-C50C-407E-A947-70E740481C1C}">
                 <a14:useLocalDpi xmlns:a14="http://schemas.microsoft.com/office/drawing/2010/main" val="0"/>
@@ -4427,7 +4381,7 @@
           <p:nvPr/>
         </p:nvPicPr>
         <p:blipFill>
-          <a:blip r:embed="rId8">
+          <a:blip r:embed="rId7">
             <a:extLst>
               <a:ext uri="{28A0092B-C50C-407E-A947-70E740481C1C}">
                 <a14:useLocalDpi xmlns:a14="http://schemas.microsoft.com/office/drawing/2010/main" val="0"/>
@@ -4448,122 +4402,24 @@
           </a:prstGeom>
         </p:spPr>
       </p:pic>
-      <p:sp>
-        <p:nvSpPr>
-          <p:cNvPr id="9" name="Rectangle 8"/>
-          <p:cNvSpPr/>
-          <p:nvPr/>
-        </p:nvSpPr>
-        <p:spPr>
-          <a:xfrm>
-            <a:off x="7916074" y="2023522"/>
-            <a:ext cx="1223413" cy="1323439"/>
-          </a:xfrm>
-          <a:prstGeom prst="rect">
-            <a:avLst/>
-          </a:prstGeom>
-          <a:noFill/>
-        </p:spPr>
-        <p:txBody>
-          <a:bodyPr wrap="none" lIns="91440" tIns="45720" rIns="91440" bIns="45720">
-            <a:spAutoFit/>
-          </a:bodyPr>
-          <a:lstStyle/>
-          <a:p>
-            <a:pPr algn="ctr"/>
-            <a:r>
-              <a:rPr lang="en-AU" sz="8000" b="0" cap="none" spc="0" dirty="0" smtClean="0">
-                <a:ln w="0"/>
-                <a:solidFill>
-                  <a:schemeClr val="accent1"/>
-                </a:solidFill>
-                <a:effectLst>
-                  <a:outerShdw blurRad="38100" dist="25400" dir="5400000" algn="ctr" rotWithShape="0">
-                    <a:srgbClr val="6E747A">
-                      <a:alpha val="43000"/>
-                    </a:srgbClr>
-                  </a:outerShdw>
-                </a:effectLst>
-              </a:rPr>
-              <a:t>10</a:t>
-            </a:r>
-            <a:endParaRPr lang="en-AU" sz="7200" b="0" cap="none" spc="0" dirty="0">
-              <a:ln w="0"/>
-              <a:solidFill>
-                <a:schemeClr val="accent1"/>
-              </a:solidFill>
-              <a:effectLst>
-                <a:outerShdw blurRad="38100" dist="25400" dir="5400000" algn="ctr" rotWithShape="0">
-                  <a:srgbClr val="6E747A">
-                    <a:alpha val="43000"/>
-                  </a:srgbClr>
-                </a:outerShdw>
-              </a:effectLst>
-            </a:endParaRPr>
-          </a:p>
-        </p:txBody>
-      </p:sp>
-      <p:sp>
-        <p:nvSpPr>
-          <p:cNvPr id="10" name="Oval Callout 9"/>
-          <p:cNvSpPr/>
-          <p:nvPr/>
-        </p:nvSpPr>
-        <p:spPr>
-          <a:xfrm>
-            <a:off x="3112060" y="3497035"/>
-            <a:ext cx="1942731" cy="1199734"/>
-          </a:xfrm>
-          <a:prstGeom prst="wedgeEllipseCallout">
-            <a:avLst>
-              <a:gd name="adj1" fmla="val 27106"/>
-              <a:gd name="adj2" fmla="val 83671"/>
-            </a:avLst>
-          </a:prstGeom>
-        </p:spPr>
-        <p:style>
-          <a:lnRef idx="2">
-            <a:schemeClr val="accent1">
-              <a:shade val="50000"/>
-            </a:schemeClr>
-          </a:lnRef>
-          <a:fillRef idx="1">
-            <a:schemeClr val="accent1"/>
-          </a:fillRef>
-          <a:effectRef idx="0">
-            <a:schemeClr val="accent1"/>
-          </a:effectRef>
-          <a:fontRef idx="minor">
-            <a:schemeClr val="lt1"/>
-          </a:fontRef>
-        </p:style>
-        <p:txBody>
-          <a:bodyPr rtlCol="0" anchor="ctr"/>
-          <a:lstStyle/>
-          <a:p>
-            <a:pPr algn="ctr"/>
-            <a:endParaRPr lang="en-US"/>
-          </a:p>
-        </p:txBody>
-      </p:sp>
     </p:spTree>
     <p:extLst>
       <p:ext uri="{BB962C8B-B14F-4D97-AF65-F5344CB8AC3E}">
-        <p14:creationId xmlns:p14="http://schemas.microsoft.com/office/powerpoint/2010/main" val="500009910"/>
+        <p14:creationId xmlns:p14="http://schemas.microsoft.com/office/powerpoint/2010/main" val="1254977047"/>
       </p:ext>
     </p:extLst>
   </p:cSld>
   <p:clrMapOvr>
     <a:masterClrMapping/>
   </p:clrMapOvr>
-  <mc:AlternateContent xmlns:mc="http://schemas.openxmlformats.org/markup-compatibility/2006">
-    <mc:Choice xmlns:p14="http://schemas.microsoft.com/office/powerpoint/2010/main" Requires="p14">
-      <p:transition spd="med" p14:dur="700" advTm="500">
-        <p:fade/>
+  <mc:AlternateContent xmlns:mc="http://schemas.openxmlformats.org/markup-compatibility/2006" xmlns:p159="http://schemas.microsoft.com/office/powerpoint/2015/09/main">
+    <mc:Choice Requires="p159">
+      <p:transition xmlns:p14="http://schemas.microsoft.com/office/powerpoint/2010/main" spd="slow" p14:dur="2000" advTm="100">
+        <p159:morph option="byObject"/>
       </p:transition>
     </mc:Choice>
-    <mc:Fallback>
-      <p:transition spd="med" advTm="500">
+    <mc:Fallback xmlns="">
+      <p:transition spd="slow" advTm="100">
         <p:fade/>
       </p:transition>
     </mc:Fallback>
@@ -4813,8 +4669,8 @@
         </p:nvSpPr>
         <p:spPr>
           <a:xfrm>
-            <a:off x="8175761" y="2023522"/>
-            <a:ext cx="704039" cy="1323439"/>
+            <a:off x="7916074" y="2023522"/>
+            <a:ext cx="1223413" cy="1323439"/>
           </a:xfrm>
           <a:prstGeom prst="rect">
             <a:avLst/>
@@ -4842,7 +4698,7 @@
                   </a:outerShdw>
                 </a:effectLst>
               </a:rPr>
-              <a:t>9</a:t>
+              <a:t>10</a:t>
             </a:r>
             <a:endParaRPr lang="en-AU" sz="7200" b="0" cap="none" spc="0" dirty="0">
               <a:ln w="0"/>
@@ -4868,13 +4724,13 @@
         </p:nvSpPr>
         <p:spPr>
           <a:xfrm>
-            <a:off x="3952610" y="3382501"/>
+            <a:off x="3112060" y="3497035"/>
             <a:ext cx="1942731" cy="1199734"/>
           </a:xfrm>
           <a:prstGeom prst="wedgeEllipseCallout">
             <a:avLst>
-              <a:gd name="adj1" fmla="val 69816"/>
-              <a:gd name="adj2" fmla="val 90728"/>
+              <a:gd name="adj1" fmla="val 27106"/>
+              <a:gd name="adj2" fmla="val 83671"/>
             </a:avLst>
           </a:prstGeom>
         </p:spPr>
@@ -4906,20 +4762,20 @@
     </p:spTree>
     <p:extLst>
       <p:ext uri="{BB962C8B-B14F-4D97-AF65-F5344CB8AC3E}">
-        <p14:creationId xmlns:p14="http://schemas.microsoft.com/office/powerpoint/2010/main" val="922145294"/>
+        <p14:creationId xmlns:p14="http://schemas.microsoft.com/office/powerpoint/2010/main" val="500009910"/>
       </p:ext>
     </p:extLst>
   </p:cSld>
   <p:clrMapOvr>
     <a:masterClrMapping/>
   </p:clrMapOvr>
-  <mc:AlternateContent xmlns:mc="http://schemas.openxmlformats.org/markup-compatibility/2006">
-    <mc:Choice xmlns:p14="http://schemas.microsoft.com/office/powerpoint/2010/main" Requires="p14">
+  <mc:AlternateContent xmlns:mc="http://schemas.openxmlformats.org/markup-compatibility/2006" xmlns:p14="http://schemas.microsoft.com/office/powerpoint/2010/main">
+    <mc:Choice Requires="p14">
       <p:transition spd="med" p14:dur="700" advTm="500">
         <p:fade/>
       </p:transition>
     </mc:Choice>
-    <mc:Fallback>
+    <mc:Fallback xmlns="">
       <p:transition spd="med" advTm="500">
         <p:fade/>
       </p:transition>
@@ -5199,7 +5055,7 @@
                   </a:outerShdw>
                 </a:effectLst>
               </a:rPr>
-              <a:t>8</a:t>
+              <a:t>9</a:t>
             </a:r>
             <a:endParaRPr lang="en-AU" sz="7200" b="0" cap="none" spc="0" dirty="0">
               <a:ln w="0"/>
@@ -5219,19 +5075,19 @@
       </p:sp>
       <p:sp>
         <p:nvSpPr>
-          <p:cNvPr id="11" name="Oval Callout 10"/>
+          <p:cNvPr id="10" name="Oval Callout 9"/>
           <p:cNvSpPr/>
           <p:nvPr/>
         </p:nvSpPr>
         <p:spPr>
           <a:xfrm>
-            <a:off x="2370667" y="4131733"/>
-            <a:ext cx="1189198" cy="578266"/>
+            <a:off x="3952610" y="3382501"/>
+            <a:ext cx="1942731" cy="1199734"/>
           </a:xfrm>
           <a:prstGeom prst="wedgeEllipseCallout">
             <a:avLst>
-              <a:gd name="adj1" fmla="val 26235"/>
-              <a:gd name="adj2" fmla="val 70969"/>
+              <a:gd name="adj1" fmla="val 69816"/>
+              <a:gd name="adj2" fmla="val 90728"/>
             </a:avLst>
           </a:prstGeom>
         </p:spPr>
@@ -5263,25 +5119,16 @@
     </p:spTree>
     <p:extLst>
       <p:ext uri="{BB962C8B-B14F-4D97-AF65-F5344CB8AC3E}">
-        <p14:creationId xmlns:p14="http://schemas.microsoft.com/office/powerpoint/2010/main" val="685884262"/>
+        <p14:creationId xmlns:p14="http://schemas.microsoft.com/office/powerpoint/2010/main" val="922145294"/>
       </p:ext>
     </p:extLst>
   </p:cSld>
   <p:clrMapOvr>
     <a:masterClrMapping/>
   </p:clrMapOvr>
-  <mc:AlternateContent xmlns:mc="http://schemas.openxmlformats.org/markup-compatibility/2006">
-    <mc:Choice xmlns:p14="http://schemas.microsoft.com/office/powerpoint/2010/main" Requires="p14">
-      <p:transition spd="med" p14:dur="700" advTm="500">
-        <p:fade/>
-      </p:transition>
-    </mc:Choice>
-    <mc:Fallback>
-      <p:transition spd="med" advTm="500">
-        <p:fade/>
-      </p:transition>
-    </mc:Fallback>
-  </mc:AlternateContent>
+  <p:transition advTm="500">
+    <p:fade/>
+  </p:transition>
   <p:timing>
     <p:tnLst>
       <p:par>
@@ -5556,7 +5403,7 @@
                   </a:outerShdw>
                 </a:effectLst>
               </a:rPr>
-              <a:t>7</a:t>
+              <a:t>8</a:t>
             </a:r>
             <a:endParaRPr lang="en-AU" sz="7200" b="0" cap="none" spc="0" dirty="0">
               <a:ln w="0"/>
@@ -5576,19 +5423,19 @@
       </p:sp>
       <p:sp>
         <p:nvSpPr>
-          <p:cNvPr id="10" name="Oval Callout 9"/>
+          <p:cNvPr id="11" name="Oval Callout 10"/>
           <p:cNvSpPr/>
           <p:nvPr/>
         </p:nvSpPr>
         <p:spPr>
           <a:xfrm>
-            <a:off x="3952610" y="3382501"/>
-            <a:ext cx="1942731" cy="1199734"/>
+            <a:off x="2370667" y="4131733"/>
+            <a:ext cx="1189198" cy="578266"/>
           </a:xfrm>
           <a:prstGeom prst="wedgeEllipseCallout">
             <a:avLst>
-              <a:gd name="adj1" fmla="val 69816"/>
-              <a:gd name="adj2" fmla="val 90728"/>
+              <a:gd name="adj1" fmla="val 26235"/>
+              <a:gd name="adj2" fmla="val 70969"/>
             </a:avLst>
           </a:prstGeom>
         </p:spPr>
@@ -5620,25 +5467,16 @@
     </p:spTree>
     <p:extLst>
       <p:ext uri="{BB962C8B-B14F-4D97-AF65-F5344CB8AC3E}">
-        <p14:creationId xmlns:p14="http://schemas.microsoft.com/office/powerpoint/2010/main" val="1601352632"/>
+        <p14:creationId xmlns:p14="http://schemas.microsoft.com/office/powerpoint/2010/main" val="685884262"/>
       </p:ext>
     </p:extLst>
   </p:cSld>
   <p:clrMapOvr>
     <a:masterClrMapping/>
   </p:clrMapOvr>
-  <mc:AlternateContent xmlns:mc="http://schemas.openxmlformats.org/markup-compatibility/2006">
-    <mc:Choice xmlns:p14="http://schemas.microsoft.com/office/powerpoint/2010/main" Requires="p14">
-      <p:transition spd="med" p14:dur="700" advTm="500">
-        <p:fade/>
-      </p:transition>
-    </mc:Choice>
-    <mc:Fallback>
-      <p:transition spd="med" advTm="500">
-        <p:fade/>
-      </p:transition>
-    </mc:Fallback>
-  </mc:AlternateContent>
+  <p:transition advTm="500">
+    <p:fade/>
+  </p:transition>
   <p:timing>
     <p:tnLst>
       <p:par>
@@ -5884,8 +5722,8 @@
         </p:nvSpPr>
         <p:spPr>
           <a:xfrm>
-            <a:off x="8175761" y="2023522"/>
-            <a:ext cx="704039" cy="1323439"/>
+            <a:off x="8081185" y="2023522"/>
+            <a:ext cx="893193" cy="1323439"/>
           </a:xfrm>
           <a:prstGeom prst="rect">
             <a:avLst/>
@@ -5900,7 +5738,7 @@
           <a:p>
             <a:pPr algn="ctr"/>
             <a:r>
-              <a:rPr lang="en-AU" sz="8000" b="0" cap="none" spc="0" dirty="0" smtClean="0">
+              <a:rPr lang="mr-IN" sz="8000" dirty="0" smtClean="0">
                 <a:ln w="0"/>
                 <a:solidFill>
                   <a:schemeClr val="accent1"/>
@@ -5913,7 +5751,7 @@
                   </a:outerShdw>
                 </a:effectLst>
               </a:rPr>
-              <a:t>6</a:t>
+              <a:t>…</a:t>
             </a:r>
             <a:endParaRPr lang="en-AU" sz="7200" b="0" cap="none" spc="0" dirty="0">
               <a:ln w="0"/>
@@ -5931,49 +5769,6 @@
           </a:p>
         </p:txBody>
       </p:sp>
-      <p:sp>
-        <p:nvSpPr>
-          <p:cNvPr id="10" name="Oval Callout 9"/>
-          <p:cNvSpPr/>
-          <p:nvPr/>
-        </p:nvSpPr>
-        <p:spPr>
-          <a:xfrm>
-            <a:off x="3112060" y="3497035"/>
-            <a:ext cx="1942731" cy="1199734"/>
-          </a:xfrm>
-          <a:prstGeom prst="wedgeEllipseCallout">
-            <a:avLst>
-              <a:gd name="adj1" fmla="val 27106"/>
-              <a:gd name="adj2" fmla="val 83671"/>
-            </a:avLst>
-          </a:prstGeom>
-        </p:spPr>
-        <p:style>
-          <a:lnRef idx="2">
-            <a:schemeClr val="accent1">
-              <a:shade val="50000"/>
-            </a:schemeClr>
-          </a:lnRef>
-          <a:fillRef idx="1">
-            <a:schemeClr val="accent1"/>
-          </a:fillRef>
-          <a:effectRef idx="0">
-            <a:schemeClr val="accent1"/>
-          </a:effectRef>
-          <a:fontRef idx="minor">
-            <a:schemeClr val="lt1"/>
-          </a:fontRef>
-        </p:style>
-        <p:txBody>
-          <a:bodyPr rtlCol="0" anchor="ctr"/>
-          <a:lstStyle/>
-          <a:p>
-            <a:pPr algn="ctr"/>
-            <a:endParaRPr lang="en-US"/>
-          </a:p>
-        </p:txBody>
-      </p:sp>
     </p:spTree>
     <p:extLst>
       <p:ext uri="{BB962C8B-B14F-4D97-AF65-F5344CB8AC3E}">
@@ -5984,18 +5779,9 @@
   <p:clrMapOvr>
     <a:masterClrMapping/>
   </p:clrMapOvr>
-  <mc:AlternateContent xmlns:mc="http://schemas.openxmlformats.org/markup-compatibility/2006">
-    <mc:Choice xmlns:p14="http://schemas.microsoft.com/office/powerpoint/2010/main" Requires="p14">
-      <p:transition spd="med" p14:dur="700" advTm="500">
-        <p:fade/>
-      </p:transition>
-    </mc:Choice>
-    <mc:Fallback>
-      <p:transition spd="med" advTm="500">
-        <p:fade/>
-      </p:transition>
-    </mc:Fallback>
-  </mc:AlternateContent>
+  <p:transition advTm="500">
+    <p:fade/>
+  </p:transition>
   <p:timing>
     <p:tnLst>
       <p:par>
@@ -6270,7 +6056,7 @@
                   </a:outerShdw>
                 </a:effectLst>
               </a:rPr>
-              <a:t>5</a:t>
+              <a:t>2</a:t>
             </a:r>
             <a:endParaRPr lang="en-AU" sz="7200" b="0" cap="none" spc="0" dirty="0">
               <a:ln w="0"/>
@@ -6296,13 +6082,13 @@
         </p:nvSpPr>
         <p:spPr>
           <a:xfrm>
-            <a:off x="3112060" y="3497035"/>
-            <a:ext cx="1942731" cy="1199734"/>
+            <a:off x="5127394" y="4371335"/>
+            <a:ext cx="1189198" cy="578266"/>
           </a:xfrm>
           <a:prstGeom prst="wedgeEllipseCallout">
             <a:avLst>
-              <a:gd name="adj1" fmla="val 27106"/>
-              <a:gd name="adj2" fmla="val 83671"/>
+              <a:gd name="adj1" fmla="val 26235"/>
+              <a:gd name="adj2" fmla="val 70969"/>
             </a:avLst>
           </a:prstGeom>
         </p:spPr>
@@ -6334,25 +6120,16 @@
     </p:spTree>
     <p:extLst>
       <p:ext uri="{BB962C8B-B14F-4D97-AF65-F5344CB8AC3E}">
-        <p14:creationId xmlns:p14="http://schemas.microsoft.com/office/powerpoint/2010/main" val="1981617891"/>
+        <p14:creationId xmlns:p14="http://schemas.microsoft.com/office/powerpoint/2010/main" val="57008025"/>
       </p:ext>
     </p:extLst>
   </p:cSld>
   <p:clrMapOvr>
     <a:masterClrMapping/>
   </p:clrMapOvr>
-  <mc:AlternateContent xmlns:mc="http://schemas.openxmlformats.org/markup-compatibility/2006">
-    <mc:Choice xmlns:p14="http://schemas.microsoft.com/office/powerpoint/2010/main" Requires="p14">
-      <p:transition spd="med" p14:dur="700" advTm="500">
-        <p:fade/>
-      </p:transition>
-    </mc:Choice>
-    <mc:Fallback>
-      <p:transition spd="med" advTm="500">
-        <p:fade/>
-      </p:transition>
-    </mc:Fallback>
-  </mc:AlternateContent>
+  <p:transition advTm="500">
+    <p:fade/>
+  </p:transition>
   <p:timing>
     <p:tnLst>
       <p:par>
@@ -6627,7 +6404,7 @@
                   </a:outerShdw>
                 </a:effectLst>
               </a:rPr>
-              <a:t>4</a:t>
+              <a:t>1</a:t>
             </a:r>
             <a:endParaRPr lang="en-AU" sz="7200" b="0" cap="none" spc="0" dirty="0">
               <a:ln w="0"/>
@@ -6647,19 +6424,19 @@
       </p:sp>
       <p:sp>
         <p:nvSpPr>
-          <p:cNvPr id="11" name="Oval Callout 10"/>
+          <p:cNvPr id="10" name="Oval Callout 9"/>
           <p:cNvSpPr/>
           <p:nvPr/>
         </p:nvSpPr>
         <p:spPr>
           <a:xfrm>
-            <a:off x="1066800" y="3280298"/>
-            <a:ext cx="2493065" cy="1429701"/>
+            <a:off x="3505200" y="3556000"/>
+            <a:ext cx="2023507" cy="1157703"/>
           </a:xfrm>
           <a:prstGeom prst="wedgeEllipseCallout">
             <a:avLst>
-              <a:gd name="adj1" fmla="val 26235"/>
-              <a:gd name="adj2" fmla="val 70969"/>
+              <a:gd name="adj1" fmla="val 14905"/>
+              <a:gd name="adj2" fmla="val 81231"/>
             </a:avLst>
           </a:prstGeom>
         </p:spPr>
@@ -6691,25 +6468,16 @@
     </p:spTree>
     <p:extLst>
       <p:ext uri="{BB962C8B-B14F-4D97-AF65-F5344CB8AC3E}">
-        <p14:creationId xmlns:p14="http://schemas.microsoft.com/office/powerpoint/2010/main" val="702368661"/>
+        <p14:creationId xmlns:p14="http://schemas.microsoft.com/office/powerpoint/2010/main" val="210082976"/>
       </p:ext>
     </p:extLst>
   </p:cSld>
   <p:clrMapOvr>
     <a:masterClrMapping/>
   </p:clrMapOvr>
-  <mc:AlternateContent xmlns:mc="http://schemas.openxmlformats.org/markup-compatibility/2006">
-    <mc:Choice xmlns:p14="http://schemas.microsoft.com/office/powerpoint/2010/main" Requires="p14">
-      <p:transition spd="med" p14:dur="700" advTm="500">
-        <p:fade/>
-      </p:transition>
-    </mc:Choice>
-    <mc:Fallback>
-      <p:transition spd="med" advTm="500">
-        <p:fade/>
-      </p:transition>
-    </mc:Fallback>
-  </mc:AlternateContent>
+  <p:transition advTm="1000">
+    <p:fade/>
+  </p:transition>
   <p:timing>
     <p:tnLst>
       <p:par>
@@ -6759,7 +6527,7 @@
         </p:blipFill>
         <p:spPr>
           <a:xfrm>
-            <a:off x="6288250" y="3280298"/>
+            <a:off x="2097563" y="3434937"/>
             <a:ext cx="2531852" cy="1301937"/>
           </a:xfrm>
           <a:prstGeom prst="rect">
@@ -6909,7 +6677,7 @@
         </p:blipFill>
         <p:spPr>
           <a:xfrm>
-            <a:off x="7595817" y="4371335"/>
+            <a:off x="7595817" y="5048666"/>
             <a:ext cx="1270000" cy="1651000"/>
           </a:xfrm>
           <a:prstGeom prst="rect">
@@ -6939,7 +6707,7 @@
         </p:blipFill>
         <p:spPr>
           <a:xfrm>
-            <a:off x="2924865" y="5048666"/>
+            <a:off x="2924865" y="4456002"/>
             <a:ext cx="1270000" cy="1651000"/>
           </a:xfrm>
           <a:prstGeom prst="rect">
@@ -6955,8 +6723,8 @@
         </p:nvSpPr>
         <p:spPr>
           <a:xfrm>
-            <a:off x="8175761" y="2023522"/>
-            <a:ext cx="704039" cy="1323439"/>
+            <a:off x="8081185" y="2023522"/>
+            <a:ext cx="893193" cy="1323439"/>
           </a:xfrm>
           <a:prstGeom prst="rect">
             <a:avLst/>
@@ -6971,7 +6739,7 @@
           <a:p>
             <a:pPr algn="ctr"/>
             <a:r>
-              <a:rPr lang="en-AU" sz="8000" b="0" cap="none" spc="0" dirty="0" smtClean="0">
+              <a:rPr lang="mr-IN" sz="8000" dirty="0" smtClean="0">
                 <a:ln w="0"/>
                 <a:solidFill>
                   <a:schemeClr val="accent1"/>
@@ -6984,7 +6752,7 @@
                   </a:outerShdw>
                 </a:effectLst>
               </a:rPr>
-              <a:t>3</a:t>
+              <a:t>…</a:t>
             </a:r>
             <a:endParaRPr lang="en-AU" sz="7200" b="0" cap="none" spc="0" dirty="0">
               <a:ln w="0"/>
@@ -7002,67 +6770,24 @@
           </a:p>
         </p:txBody>
       </p:sp>
-      <p:sp>
-        <p:nvSpPr>
-          <p:cNvPr id="11" name="Oval Callout 10"/>
-          <p:cNvSpPr/>
-          <p:nvPr/>
-        </p:nvSpPr>
-        <p:spPr>
-          <a:xfrm>
-            <a:off x="2235200" y="3064933"/>
-            <a:ext cx="2819591" cy="1631836"/>
-          </a:xfrm>
-          <a:prstGeom prst="wedgeEllipseCallout">
-            <a:avLst>
-              <a:gd name="adj1" fmla="val 27106"/>
-              <a:gd name="adj2" fmla="val 83671"/>
-            </a:avLst>
-          </a:prstGeom>
-        </p:spPr>
-        <p:style>
-          <a:lnRef idx="2">
-            <a:schemeClr val="accent1">
-              <a:shade val="50000"/>
-            </a:schemeClr>
-          </a:lnRef>
-          <a:fillRef idx="1">
-            <a:schemeClr val="accent1"/>
-          </a:fillRef>
-          <a:effectRef idx="0">
-            <a:schemeClr val="accent1"/>
-          </a:effectRef>
-          <a:fontRef idx="minor">
-            <a:schemeClr val="lt1"/>
-          </a:fontRef>
-        </p:style>
-        <p:txBody>
-          <a:bodyPr rtlCol="0" anchor="ctr"/>
-          <a:lstStyle/>
-          <a:p>
-            <a:pPr algn="ctr"/>
-            <a:endParaRPr lang="en-US"/>
-          </a:p>
-        </p:txBody>
-      </p:sp>
     </p:spTree>
     <p:extLst>
       <p:ext uri="{BB962C8B-B14F-4D97-AF65-F5344CB8AC3E}">
-        <p14:creationId xmlns:p14="http://schemas.microsoft.com/office/powerpoint/2010/main" val="277062649"/>
+        <p14:creationId xmlns:p14="http://schemas.microsoft.com/office/powerpoint/2010/main" val="2125093721"/>
       </p:ext>
     </p:extLst>
   </p:cSld>
   <p:clrMapOvr>
     <a:masterClrMapping/>
   </p:clrMapOvr>
-  <mc:AlternateContent xmlns:mc="http://schemas.openxmlformats.org/markup-compatibility/2006">
-    <mc:Choice xmlns:p14="http://schemas.microsoft.com/office/powerpoint/2010/main" Requires="p14">
-      <p:transition spd="med" p14:dur="700" advTm="500">
-        <p:fade/>
+  <mc:AlternateContent xmlns:mc="http://schemas.openxmlformats.org/markup-compatibility/2006" xmlns:p159="http://schemas.microsoft.com/office/powerpoint/2015/09/main">
+    <mc:Choice Requires="p159">
+      <p:transition xmlns:p14="http://schemas.microsoft.com/office/powerpoint/2010/main" spd="slow" p14:dur="2000" advTm="1000">
+        <p159:morph option="byObject"/>
       </p:transition>
     </mc:Choice>
-    <mc:Fallback>
-      <p:transition spd="med" advTm="500">
+    <mc:Fallback xmlns="">
+      <p:transition spd="slow" advTm="1000">
         <p:fade/>
       </p:transition>
     </mc:Fallback>
@@ -7312,8 +7037,8 @@
         </p:nvSpPr>
         <p:spPr>
           <a:xfrm>
-            <a:off x="8175759" y="2023522"/>
-            <a:ext cx="704040" cy="1323439"/>
+            <a:off x="7916074" y="2023522"/>
+            <a:ext cx="1223413" cy="1323439"/>
           </a:xfrm>
           <a:prstGeom prst="rect">
             <a:avLst/>
@@ -7341,9 +7066,9 @@
                   </a:outerShdw>
                 </a:effectLst>
               </a:rPr>
-              <a:t>9</a:t>
+              <a:t>10</a:t>
             </a:r>
-            <a:endParaRPr lang="en-AU" sz="8000" b="0" cap="none" spc="0" dirty="0">
+            <a:endParaRPr lang="en-AU" sz="7200" b="0" cap="none" spc="0" dirty="0">
               <a:ln w="0"/>
               <a:solidFill>
                 <a:schemeClr val="accent1"/>
@@ -7361,20 +7086,17 @@
       </p:sp>
       <p:sp>
         <p:nvSpPr>
-          <p:cNvPr id="10" name="Oval Callout 9"/>
+          <p:cNvPr id="2" name="Oval Callout 1"/>
           <p:cNvSpPr/>
           <p:nvPr/>
         </p:nvSpPr>
         <p:spPr>
           <a:xfrm>
-            <a:off x="1617134" y="3510265"/>
+            <a:off x="8295770" y="3848932"/>
             <a:ext cx="1942731" cy="1199734"/>
           </a:xfrm>
           <a:prstGeom prst="wedgeEllipseCallout">
-            <a:avLst>
-              <a:gd name="adj1" fmla="val 26235"/>
-              <a:gd name="adj2" fmla="val 70969"/>
-            </a:avLst>
+            <a:avLst/>
           </a:prstGeom>
         </p:spPr>
         <p:style>
@@ -7405,7 +7127,7 @@
     </p:spTree>
     <p:extLst>
       <p:ext uri="{BB962C8B-B14F-4D97-AF65-F5344CB8AC3E}">
-        <p14:creationId xmlns:p14="http://schemas.microsoft.com/office/powerpoint/2010/main" val="2016947961"/>
+        <p14:creationId xmlns:p14="http://schemas.microsoft.com/office/powerpoint/2010/main" val="1480734863"/>
       </p:ext>
     </p:extLst>
   </p:cSld>
@@ -7413,13 +7135,13 @@
     <a:masterClrMapping/>
   </p:clrMapOvr>
   <mc:AlternateContent xmlns:mc="http://schemas.openxmlformats.org/markup-compatibility/2006">
-    <mc:Choice xmlns:p14="http://schemas.microsoft.com/office/powerpoint/2010/main" Requires="p14">
-      <p:transition spd="med" p14:dur="700" advTm="500">
-        <p:fade/>
+    <mc:Choice xmlns:p159="http://schemas.microsoft.com/office/powerpoint/2015/09/main" Requires="p159">
+      <p:transition advTm="500">
+        <p159:morph option="byObject"/>
       </p:transition>
     </mc:Choice>
     <mc:Fallback>
-      <p:transition spd="med" advTm="500">
+      <p:transition advTm="500">
         <p:fade/>
       </p:transition>
     </mc:Fallback>
@@ -7473,7 +7195,7 @@
         </p:blipFill>
         <p:spPr>
           <a:xfrm>
-            <a:off x="6288250" y="3280298"/>
+            <a:off x="3553828" y="3434937"/>
             <a:ext cx="2531852" cy="1301937"/>
           </a:xfrm>
           <a:prstGeom prst="rect">
@@ -7563,7 +7285,7 @@
         </p:blipFill>
         <p:spPr>
           <a:xfrm>
-            <a:off x="4451993" y="5048666"/>
+            <a:off x="4451993" y="4456002"/>
             <a:ext cx="1270000" cy="1651000"/>
           </a:xfrm>
           <a:prstGeom prst="rect">
@@ -7623,7 +7345,7 @@
         </p:blipFill>
         <p:spPr>
           <a:xfrm>
-            <a:off x="7595817" y="4371335"/>
+            <a:off x="7595817" y="5048666"/>
             <a:ext cx="1270000" cy="1651000"/>
           </a:xfrm>
           <a:prstGeom prst="rect">
@@ -7669,8 +7391,8 @@
         </p:nvSpPr>
         <p:spPr>
           <a:xfrm>
-            <a:off x="8175761" y="2023522"/>
-            <a:ext cx="704039" cy="1323439"/>
+            <a:off x="8081185" y="2023522"/>
+            <a:ext cx="893193" cy="1323439"/>
           </a:xfrm>
           <a:prstGeom prst="rect">
             <a:avLst/>
@@ -7685,7 +7407,7 @@
           <a:p>
             <a:pPr algn="ctr"/>
             <a:r>
-              <a:rPr lang="en-AU" sz="8000" b="0" cap="none" spc="0" dirty="0" smtClean="0">
+              <a:rPr lang="mr-IN" sz="8000" dirty="0" smtClean="0">
                 <a:ln w="0"/>
                 <a:solidFill>
                   <a:schemeClr val="accent1"/>
@@ -7698,7 +7420,7 @@
                   </a:outerShdw>
                 </a:effectLst>
               </a:rPr>
-              <a:t>2</a:t>
+              <a:t>…</a:t>
             </a:r>
             <a:endParaRPr lang="en-AU" sz="7200" b="0" cap="none" spc="0" dirty="0">
               <a:ln w="0"/>
@@ -7716,67 +7438,24 @@
           </a:p>
         </p:txBody>
       </p:sp>
-      <p:sp>
-        <p:nvSpPr>
-          <p:cNvPr id="10" name="Oval Callout 9"/>
-          <p:cNvSpPr/>
-          <p:nvPr/>
-        </p:nvSpPr>
-        <p:spPr>
-          <a:xfrm>
-            <a:off x="5127394" y="4371335"/>
-            <a:ext cx="1189198" cy="578266"/>
-          </a:xfrm>
-          <a:prstGeom prst="wedgeEllipseCallout">
-            <a:avLst>
-              <a:gd name="adj1" fmla="val 26235"/>
-              <a:gd name="adj2" fmla="val 70969"/>
-            </a:avLst>
-          </a:prstGeom>
-        </p:spPr>
-        <p:style>
-          <a:lnRef idx="2">
-            <a:schemeClr val="accent1">
-              <a:shade val="50000"/>
-            </a:schemeClr>
-          </a:lnRef>
-          <a:fillRef idx="1">
-            <a:schemeClr val="accent1"/>
-          </a:fillRef>
-          <a:effectRef idx="0">
-            <a:schemeClr val="accent1"/>
-          </a:effectRef>
-          <a:fontRef idx="minor">
-            <a:schemeClr val="lt1"/>
-          </a:fontRef>
-        </p:style>
-        <p:txBody>
-          <a:bodyPr rtlCol="0" anchor="ctr"/>
-          <a:lstStyle/>
-          <a:p>
-            <a:pPr algn="ctr"/>
-            <a:endParaRPr lang="en-US"/>
-          </a:p>
-        </p:txBody>
-      </p:sp>
     </p:spTree>
     <p:extLst>
       <p:ext uri="{BB962C8B-B14F-4D97-AF65-F5344CB8AC3E}">
-        <p14:creationId xmlns:p14="http://schemas.microsoft.com/office/powerpoint/2010/main" val="57008025"/>
+        <p14:creationId xmlns:p14="http://schemas.microsoft.com/office/powerpoint/2010/main" val="1301500327"/>
       </p:ext>
     </p:extLst>
   </p:cSld>
   <p:clrMapOvr>
     <a:masterClrMapping/>
   </p:clrMapOvr>
-  <mc:AlternateContent xmlns:mc="http://schemas.openxmlformats.org/markup-compatibility/2006">
-    <mc:Choice xmlns:p14="http://schemas.microsoft.com/office/powerpoint/2010/main" Requires="p14">
-      <p:transition spd="med" p14:dur="700" advTm="500">
-        <p:fade/>
+  <mc:AlternateContent xmlns:mc="http://schemas.openxmlformats.org/markup-compatibility/2006" xmlns:p159="http://schemas.microsoft.com/office/powerpoint/2015/09/main">
+    <mc:Choice Requires="p159">
+      <p:transition xmlns:p14="http://schemas.microsoft.com/office/powerpoint/2010/main" spd="slow" p14:dur="2000" advTm="1000">
+        <p159:morph option="byObject"/>
       </p:transition>
     </mc:Choice>
-    <mc:Fallback>
-      <p:transition spd="med" advTm="500">
+    <mc:Fallback xmlns="">
+      <p:transition spd="slow" advTm="1000">
         <p:fade/>
       </p:transition>
     </mc:Fallback>
@@ -7830,7 +7509,7 @@
         </p:blipFill>
         <p:spPr>
           <a:xfrm>
-            <a:off x="6288250" y="3280298"/>
+            <a:off x="4988074" y="3434937"/>
             <a:ext cx="2531852" cy="1301937"/>
           </a:xfrm>
           <a:prstGeom prst="rect">
@@ -7950,7 +7629,7 @@
         </p:blipFill>
         <p:spPr>
           <a:xfrm>
-            <a:off x="5995929" y="5048666"/>
+            <a:off x="5995929" y="4456002"/>
             <a:ext cx="1270000" cy="1651000"/>
           </a:xfrm>
           <a:prstGeom prst="rect">
@@ -7980,7 +7659,7 @@
         </p:blipFill>
         <p:spPr>
           <a:xfrm>
-            <a:off x="7595817" y="4371335"/>
+            <a:off x="7595817" y="5048666"/>
             <a:ext cx="1270000" cy="1651000"/>
           </a:xfrm>
           <a:prstGeom prst="rect">
@@ -8026,8 +7705,8 @@
         </p:nvSpPr>
         <p:spPr>
           <a:xfrm>
-            <a:off x="8175761" y="2023522"/>
-            <a:ext cx="704039" cy="1323439"/>
+            <a:off x="8081185" y="2023522"/>
+            <a:ext cx="893193" cy="1323439"/>
           </a:xfrm>
           <a:prstGeom prst="rect">
             <a:avLst/>
@@ -8042,7 +7721,7 @@
           <a:p>
             <a:pPr algn="ctr"/>
             <a:r>
-              <a:rPr lang="en-AU" sz="8000" b="0" cap="none" spc="0" dirty="0" smtClean="0">
+              <a:rPr lang="mr-IN" sz="8000" dirty="0" smtClean="0">
                 <a:ln w="0"/>
                 <a:solidFill>
                   <a:schemeClr val="accent1"/>
@@ -8055,7 +7734,7 @@
                   </a:outerShdw>
                 </a:effectLst>
               </a:rPr>
-              <a:t>1</a:t>
+              <a:t>…</a:t>
             </a:r>
             <a:endParaRPr lang="en-AU" sz="7200" b="0" cap="none" spc="0" dirty="0">
               <a:ln w="0"/>
@@ -8073,67 +7752,24 @@
           </a:p>
         </p:txBody>
       </p:sp>
-      <p:sp>
-        <p:nvSpPr>
-          <p:cNvPr id="10" name="Oval Callout 9"/>
-          <p:cNvSpPr/>
-          <p:nvPr/>
-        </p:nvSpPr>
-        <p:spPr>
-          <a:xfrm>
-            <a:off x="3505200" y="3556000"/>
-            <a:ext cx="2023507" cy="1157703"/>
-          </a:xfrm>
-          <a:prstGeom prst="wedgeEllipseCallout">
-            <a:avLst>
-              <a:gd name="adj1" fmla="val 14905"/>
-              <a:gd name="adj2" fmla="val 81231"/>
-            </a:avLst>
-          </a:prstGeom>
-        </p:spPr>
-        <p:style>
-          <a:lnRef idx="2">
-            <a:schemeClr val="accent1">
-              <a:shade val="50000"/>
-            </a:schemeClr>
-          </a:lnRef>
-          <a:fillRef idx="1">
-            <a:schemeClr val="accent1"/>
-          </a:fillRef>
-          <a:effectRef idx="0">
-            <a:schemeClr val="accent1"/>
-          </a:effectRef>
-          <a:fontRef idx="minor">
-            <a:schemeClr val="lt1"/>
-          </a:fontRef>
-        </p:style>
-        <p:txBody>
-          <a:bodyPr rtlCol="0" anchor="ctr"/>
-          <a:lstStyle/>
-          <a:p>
-            <a:pPr algn="ctr"/>
-            <a:endParaRPr lang="en-US"/>
-          </a:p>
-        </p:txBody>
-      </p:sp>
     </p:spTree>
     <p:extLst>
       <p:ext uri="{BB962C8B-B14F-4D97-AF65-F5344CB8AC3E}">
-        <p14:creationId xmlns:p14="http://schemas.microsoft.com/office/powerpoint/2010/main" val="210082976"/>
+        <p14:creationId xmlns:p14="http://schemas.microsoft.com/office/powerpoint/2010/main" val="1517894859"/>
       </p:ext>
     </p:extLst>
   </p:cSld>
   <p:clrMapOvr>
     <a:masterClrMapping/>
   </p:clrMapOvr>
-  <mc:AlternateContent xmlns:mc="http://schemas.openxmlformats.org/markup-compatibility/2006">
-    <mc:Choice xmlns:p14="http://schemas.microsoft.com/office/powerpoint/2010/main" Requires="p14">
-      <p:transition spd="med" p14:dur="700" advTm="1000">
-        <p:fade/>
+  <mc:AlternateContent xmlns:mc="http://schemas.openxmlformats.org/markup-compatibility/2006" xmlns:p159="http://schemas.microsoft.com/office/powerpoint/2015/09/main">
+    <mc:Choice Requires="p159">
+      <p:transition xmlns:p14="http://schemas.microsoft.com/office/powerpoint/2010/main" spd="slow" p14:dur="2000" advTm="1000">
+        <p159:morph option="byObject"/>
       </p:transition>
     </mc:Choice>
-    <mc:Fallback>
-      <p:transition spd="med" advTm="1000">
+    <mc:Fallback xmlns="">
+      <p:transition spd="slow" advTm="1000">
         <p:fade/>
       </p:transition>
     </mc:Fallback>
@@ -8167,7 +7803,7 @@
       </p:grpSpPr>
       <p:pic>
         <p:nvPicPr>
-          <p:cNvPr id="14" name="Picture 13"/>
+          <p:cNvPr id="12" name="Picture 11"/>
           <p:cNvPicPr>
             <a:picLocks noChangeAspect="1"/>
           </p:cNvPicPr>
@@ -8175,36 +7811,6 @@
         </p:nvPicPr>
         <p:blipFill>
           <a:blip r:embed="rId2">
-            <a:extLst>
-              <a:ext uri="{28A0092B-C50C-407E-A947-70E740481C1C}">
-                <a14:useLocalDpi xmlns:a14="http://schemas.microsoft.com/office/drawing/2010/main" val="0"/>
-              </a:ext>
-            </a:extLst>
-          </a:blip>
-          <a:stretch>
-            <a:fillRect/>
-          </a:stretch>
-        </p:blipFill>
-        <p:spPr>
-          <a:xfrm>
-            <a:off x="2097563" y="3434937"/>
-            <a:ext cx="2531852" cy="1301937"/>
-          </a:xfrm>
-          <a:prstGeom prst="rect">
-            <a:avLst/>
-          </a:prstGeom>
-        </p:spPr>
-      </p:pic>
-      <p:pic>
-        <p:nvPicPr>
-          <p:cNvPr id="12" name="Picture 11"/>
-          <p:cNvPicPr>
-            <a:picLocks noChangeAspect="1"/>
-          </p:cNvPicPr>
-          <p:nvPr/>
-        </p:nvPicPr>
-        <p:blipFill>
-          <a:blip r:embed="rId3">
             <a:extLst>
               <a:ext uri="{28A0092B-C50C-407E-A947-70E740481C1C}">
                 <a14:useLocalDpi xmlns:a14="http://schemas.microsoft.com/office/drawing/2010/main" val="0"/>
@@ -8234,7 +7840,7 @@
           <p:nvPr/>
         </p:nvPicPr>
         <p:blipFill>
-          <a:blip r:embed="rId4">
+          <a:blip r:embed="rId3">
             <a:extLst>
               <a:ext uri="{28A0092B-C50C-407E-A947-70E740481C1C}">
                 <a14:useLocalDpi xmlns:a14="http://schemas.microsoft.com/office/drawing/2010/main" val="0"/>
@@ -8264,7 +7870,7 @@
           <p:nvPr/>
         </p:nvPicPr>
         <p:blipFill>
-          <a:blip r:embed="rId5">
+          <a:blip r:embed="rId4">
             <a:extLst>
               <a:ext uri="{28A0092B-C50C-407E-A947-70E740481C1C}">
                 <a14:useLocalDpi xmlns:a14="http://schemas.microsoft.com/office/drawing/2010/main" val="0"/>
@@ -8294,7 +7900,7 @@
           <p:nvPr/>
         </p:nvPicPr>
         <p:blipFill>
-          <a:blip r:embed="rId6">
+          <a:blip r:embed="rId5">
             <a:extLst>
               <a:ext uri="{28A0092B-C50C-407E-A947-70E740481C1C}">
                 <a14:useLocalDpi xmlns:a14="http://schemas.microsoft.com/office/drawing/2010/main" val="0"/>
@@ -8324,6 +7930,36 @@
           <p:nvPr/>
         </p:nvPicPr>
         <p:blipFill>
+          <a:blip r:embed="rId6">
+            <a:extLst>
+              <a:ext uri="{28A0092B-C50C-407E-A947-70E740481C1C}">
+                <a14:useLocalDpi xmlns:a14="http://schemas.microsoft.com/office/drawing/2010/main" val="0"/>
+              </a:ext>
+            </a:extLst>
+          </a:blip>
+          <a:stretch>
+            <a:fillRect/>
+          </a:stretch>
+        </p:blipFill>
+        <p:spPr>
+          <a:xfrm>
+            <a:off x="7595817" y="4456002"/>
+            <a:ext cx="1270000" cy="1651000"/>
+          </a:xfrm>
+          <a:prstGeom prst="rect">
+            <a:avLst/>
+          </a:prstGeom>
+        </p:spPr>
+      </p:pic>
+      <p:pic>
+        <p:nvPicPr>
+          <p:cNvPr id="22" name="Picture 21"/>
+          <p:cNvPicPr>
+            <a:picLocks noChangeAspect="1"/>
+          </p:cNvPicPr>
+          <p:nvPr/>
+        </p:nvPicPr>
+        <p:blipFill>
           <a:blip r:embed="rId7">
             <a:extLst>
               <a:ext uri="{28A0092B-C50C-407E-A947-70E740481C1C}">
@@ -8337,7 +7973,7 @@
         </p:blipFill>
         <p:spPr>
           <a:xfrm>
-            <a:off x="7595817" y="5048666"/>
+            <a:off x="2924865" y="5048666"/>
             <a:ext cx="1270000" cy="1651000"/>
           </a:xfrm>
           <a:prstGeom prst="rect">
@@ -8347,7 +7983,7 @@
       </p:pic>
       <p:pic>
         <p:nvPicPr>
-          <p:cNvPr id="22" name="Picture 21"/>
+          <p:cNvPr id="9" name="Picture 8"/>
           <p:cNvPicPr>
             <a:picLocks noChangeAspect="1"/>
           </p:cNvPicPr>
@@ -8367,32 +8003,87 @@
         </p:blipFill>
         <p:spPr>
           <a:xfrm>
-            <a:off x="2924865" y="4456002"/>
-            <a:ext cx="1270000" cy="1651000"/>
-          </a:xfrm>
-          <a:prstGeom prst="rect">
-            <a:avLst/>
-          </a:prstGeom>
-        </p:spPr>
-      </p:pic>
+            <a:off x="6288250" y="3280298"/>
+            <a:ext cx="2531852" cy="1301937"/>
+          </a:xfrm>
+          <a:prstGeom prst="rect">
+            <a:avLst/>
+          </a:prstGeom>
+        </p:spPr>
+      </p:pic>
+      <p:sp>
+        <p:nvSpPr>
+          <p:cNvPr id="10" name="Rectangle 9"/>
+          <p:cNvSpPr/>
+          <p:nvPr/>
+        </p:nvSpPr>
+        <p:spPr>
+          <a:xfrm>
+            <a:off x="8081185" y="2023522"/>
+            <a:ext cx="893193" cy="1323439"/>
+          </a:xfrm>
+          <a:prstGeom prst="rect">
+            <a:avLst/>
+          </a:prstGeom>
+          <a:noFill/>
+        </p:spPr>
+        <p:txBody>
+          <a:bodyPr wrap="none" lIns="91440" tIns="45720" rIns="91440" bIns="45720">
+            <a:spAutoFit/>
+          </a:bodyPr>
+          <a:lstStyle/>
+          <a:p>
+            <a:pPr algn="ctr"/>
+            <a:r>
+              <a:rPr lang="mr-IN" sz="8000" dirty="0" smtClean="0">
+                <a:ln w="0"/>
+                <a:solidFill>
+                  <a:schemeClr val="accent1"/>
+                </a:solidFill>
+                <a:effectLst>
+                  <a:outerShdw blurRad="38100" dist="25400" dir="5400000" algn="ctr" rotWithShape="0">
+                    <a:srgbClr val="6E747A">
+                      <a:alpha val="43000"/>
+                    </a:srgbClr>
+                  </a:outerShdw>
+                </a:effectLst>
+              </a:rPr>
+              <a:t>…</a:t>
+            </a:r>
+            <a:endParaRPr lang="en-AU" sz="7200" b="0" cap="none" spc="0" dirty="0">
+              <a:ln w="0"/>
+              <a:solidFill>
+                <a:schemeClr val="accent1"/>
+              </a:solidFill>
+              <a:effectLst>
+                <a:outerShdw blurRad="38100" dist="25400" dir="5400000" algn="ctr" rotWithShape="0">
+                  <a:srgbClr val="6E747A">
+                    <a:alpha val="43000"/>
+                  </a:srgbClr>
+                </a:outerShdw>
+              </a:effectLst>
+            </a:endParaRPr>
+          </a:p>
+        </p:txBody>
+      </p:sp>
     </p:spTree>
     <p:extLst>
       <p:ext uri="{BB962C8B-B14F-4D97-AF65-F5344CB8AC3E}">
-        <p14:creationId xmlns:p14="http://schemas.microsoft.com/office/powerpoint/2010/main" val="2125093721"/>
+        <p14:creationId xmlns:p14="http://schemas.microsoft.com/office/powerpoint/2010/main" val="1971767237"/>
       </p:ext>
     </p:extLst>
   </p:cSld>
   <p:clrMapOvr>
     <a:masterClrMapping/>
   </p:clrMapOvr>
-  <mc:AlternateContent xmlns:mc="http://schemas.openxmlformats.org/markup-compatibility/2006">
-    <mc:Choice xmlns:p159="http://schemas.microsoft.com/office/powerpoint/2015/09/main" Requires="p159">
-      <p:transition xmlns:p14="http://schemas.microsoft.com/office/powerpoint/2010/main" spd="slow" p14:dur="2000" advTm="1000">
+  <mc:AlternateContent xmlns:mc="http://schemas.openxmlformats.org/markup-compatibility/2006" xmlns:p159="http://schemas.microsoft.com/office/powerpoint/2015/09/main">
+    <mc:Choice Requires="p159">
+      <p:transition xmlns:p14="http://schemas.microsoft.com/office/powerpoint/2010/main" spd="slow" p14:dur="2000" advTm="2112">
         <p159:morph option="byObject"/>
       </p:transition>
     </mc:Choice>
-    <mc:Fallback>
-      <p:transition spd="slow" advTm="1000">
+    <mc:Fallback xmlns="">
+      <p:transition spd="slow" advTm="2112">
         <p:fade/>
       </p:transition>
     </mc:Fallback>
@@ -8446,7 +8137,7 @@
         </p:blipFill>
         <p:spPr>
           <a:xfrm>
-            <a:off x="3553828" y="3434937"/>
+            <a:off x="4730003" y="3280298"/>
             <a:ext cx="2531852" cy="1301937"/>
           </a:xfrm>
           <a:prstGeom prst="rect">
@@ -8486,7 +8177,7 @@
       </p:pic>
       <p:pic>
         <p:nvPicPr>
-          <p:cNvPr id="15" name="Picture 14"/>
+          <p:cNvPr id="17" name="Picture 16"/>
           <p:cNvPicPr>
             <a:picLocks noChangeAspect="1"/>
           </p:cNvPicPr>
@@ -8506,17 +8197,17 @@
         </p:blipFill>
         <p:spPr>
           <a:xfrm>
-            <a:off x="7788425" y="614519"/>
-            <a:ext cx="1478711" cy="1478711"/>
-          </a:xfrm>
-          <a:prstGeom prst="rect">
-            <a:avLst/>
-          </a:prstGeom>
-        </p:spPr>
-      </p:pic>
-      <p:pic>
-        <p:nvPicPr>
-          <p:cNvPr id="17" name="Picture 16"/>
+            <a:off x="4451993" y="5048666"/>
+            <a:ext cx="1270000" cy="1651000"/>
+          </a:xfrm>
+          <a:prstGeom prst="rect">
+            <a:avLst/>
+          </a:prstGeom>
+        </p:spPr>
+      </p:pic>
+      <p:pic>
+        <p:nvPicPr>
+          <p:cNvPr id="18" name="Picture 17"/>
           <p:cNvPicPr>
             <a:picLocks noChangeAspect="1"/>
           </p:cNvPicPr>
@@ -8524,36 +8215,6 @@
         </p:nvPicPr>
         <p:blipFill>
           <a:blip r:embed="rId5">
-            <a:extLst>
-              <a:ext uri="{28A0092B-C50C-407E-A947-70E740481C1C}">
-                <a14:useLocalDpi xmlns:a14="http://schemas.microsoft.com/office/drawing/2010/main" val="0"/>
-              </a:ext>
-            </a:extLst>
-          </a:blip>
-          <a:stretch>
-            <a:fillRect/>
-          </a:stretch>
-        </p:blipFill>
-        <p:spPr>
-          <a:xfrm>
-            <a:off x="4451993" y="4456002"/>
-            <a:ext cx="1270000" cy="1651000"/>
-          </a:xfrm>
-          <a:prstGeom prst="rect">
-            <a:avLst/>
-          </a:prstGeom>
-        </p:spPr>
-      </p:pic>
-      <p:pic>
-        <p:nvPicPr>
-          <p:cNvPr id="18" name="Picture 17"/>
-          <p:cNvPicPr>
-            <a:picLocks noChangeAspect="1"/>
-          </p:cNvPicPr>
-          <p:nvPr/>
-        </p:nvPicPr>
-        <p:blipFill>
-          <a:blip r:embed="rId6">
             <a:extLst>
               <a:ext uri="{28A0092B-C50C-407E-A947-70E740481C1C}">
                 <a14:useLocalDpi xmlns:a14="http://schemas.microsoft.com/office/drawing/2010/main" val="0"/>
@@ -8583,7 +8244,7 @@
           <p:nvPr/>
         </p:nvPicPr>
         <p:blipFill>
-          <a:blip r:embed="rId7">
+          <a:blip r:embed="rId6">
             <a:extLst>
               <a:ext uri="{28A0092B-C50C-407E-A947-70E740481C1C}">
                 <a14:useLocalDpi xmlns:a14="http://schemas.microsoft.com/office/drawing/2010/main" val="0"/>
@@ -8613,7 +8274,7 @@
           <p:nvPr/>
         </p:nvPicPr>
         <p:blipFill>
-          <a:blip r:embed="rId8">
+          <a:blip r:embed="rId7">
             <a:extLst>
               <a:ext uri="{28A0092B-C50C-407E-A947-70E740481C1C}">
                 <a14:useLocalDpi xmlns:a14="http://schemas.microsoft.com/office/drawing/2010/main" val="0"/>
@@ -8637,21 +8298,21 @@
     </p:spTree>
     <p:extLst>
       <p:ext uri="{BB962C8B-B14F-4D97-AF65-F5344CB8AC3E}">
-        <p14:creationId xmlns:p14="http://schemas.microsoft.com/office/powerpoint/2010/main" val="1301500327"/>
+        <p14:creationId xmlns:p14="http://schemas.microsoft.com/office/powerpoint/2010/main" val="1109005429"/>
       </p:ext>
     </p:extLst>
   </p:cSld>
   <p:clrMapOvr>
     <a:masterClrMapping/>
   </p:clrMapOvr>
-  <mc:AlternateContent xmlns:mc="http://schemas.openxmlformats.org/markup-compatibility/2006">
-    <mc:Choice xmlns:p159="http://schemas.microsoft.com/office/powerpoint/2015/09/main" Requires="p159">
-      <p:transition xmlns:p14="http://schemas.microsoft.com/office/powerpoint/2010/main" spd="slow" p14:dur="2000" advTm="1000">
+  <mc:AlternateContent xmlns:mc="http://schemas.openxmlformats.org/markup-compatibility/2006" xmlns:p159="http://schemas.microsoft.com/office/powerpoint/2015/09/main">
+    <mc:Choice Requires="p159">
+      <p:transition spd="slow" advTm="500">
         <p159:morph option="byObject"/>
       </p:transition>
     </mc:Choice>
-    <mc:Fallback>
-      <p:transition spd="slow" advTm="1000">
+    <mc:Fallback xmlns="">
+      <p:transition spd="slow" advTm="500">
         <p:fade/>
       </p:transition>
     </mc:Fallback>
@@ -8666,7 +8327,7 @@
 </p:sld>
 </file>
 
-<file path=ppt/slides/slide24.xml><?xml version="1.0" encoding="utf-8"?>
+<file path=ppt/slides/slide3.xml><?xml version="1.0" encoding="utf-8"?>
 <p:sld xmlns:a="http://schemas.openxmlformats.org/drawingml/2006/main" xmlns:r="http://schemas.openxmlformats.org/officeDocument/2006/relationships" xmlns:p="http://schemas.openxmlformats.org/presentationml/2006/main">
   <p:cSld>
     <p:spTree>
@@ -8705,7 +8366,7 @@
         </p:blipFill>
         <p:spPr>
           <a:xfrm>
-            <a:off x="4988074" y="3434937"/>
+            <a:off x="5204519" y="3280298"/>
             <a:ext cx="2531852" cy="1301937"/>
           </a:xfrm>
           <a:prstGeom prst="rect">
@@ -8825,7 +8486,7 @@
         </p:blipFill>
         <p:spPr>
           <a:xfrm>
-            <a:off x="5995929" y="4456002"/>
+            <a:off x="5995929" y="4320530"/>
             <a:ext cx="1270000" cy="1651000"/>
           </a:xfrm>
           <a:prstGeom prst="rect">
@@ -8893,28 +8554,117 @@
           </a:prstGeom>
         </p:spPr>
       </p:pic>
+      <p:sp>
+        <p:nvSpPr>
+          <p:cNvPr id="24" name="Rectangle 23"/>
+          <p:cNvSpPr/>
+          <p:nvPr/>
+        </p:nvSpPr>
+        <p:spPr>
+          <a:xfrm>
+            <a:off x="8175759" y="2023522"/>
+            <a:ext cx="704040" cy="1323439"/>
+          </a:xfrm>
+          <a:prstGeom prst="rect">
+            <a:avLst/>
+          </a:prstGeom>
+          <a:noFill/>
+        </p:spPr>
+        <p:txBody>
+          <a:bodyPr wrap="none" lIns="91440" tIns="45720" rIns="91440" bIns="45720">
+            <a:spAutoFit/>
+          </a:bodyPr>
+          <a:lstStyle/>
+          <a:p>
+            <a:pPr algn="ctr"/>
+            <a:r>
+              <a:rPr lang="en-AU" sz="8000" b="0" cap="none" spc="0" dirty="0" smtClean="0">
+                <a:ln w="0"/>
+                <a:solidFill>
+                  <a:schemeClr val="accent1"/>
+                </a:solidFill>
+                <a:effectLst>
+                  <a:outerShdw blurRad="38100" dist="25400" dir="5400000" algn="ctr" rotWithShape="0">
+                    <a:srgbClr val="6E747A">
+                      <a:alpha val="43000"/>
+                    </a:srgbClr>
+                  </a:outerShdw>
+                </a:effectLst>
+              </a:rPr>
+              <a:t>9</a:t>
+            </a:r>
+            <a:endParaRPr lang="en-AU" sz="8000" b="0" cap="none" spc="0" dirty="0">
+              <a:ln w="0"/>
+              <a:solidFill>
+                <a:schemeClr val="accent1"/>
+              </a:solidFill>
+              <a:effectLst>
+                <a:outerShdw blurRad="38100" dist="25400" dir="5400000" algn="ctr" rotWithShape="0">
+                  <a:srgbClr val="6E747A">
+                    <a:alpha val="43000"/>
+                  </a:srgbClr>
+                </a:outerShdw>
+              </a:effectLst>
+            </a:endParaRPr>
+          </a:p>
+        </p:txBody>
+      </p:sp>
+      <p:sp>
+        <p:nvSpPr>
+          <p:cNvPr id="10" name="Oval Callout 9"/>
+          <p:cNvSpPr/>
+          <p:nvPr/>
+        </p:nvSpPr>
+        <p:spPr>
+          <a:xfrm>
+            <a:off x="1617134" y="3510265"/>
+            <a:ext cx="1942731" cy="1199734"/>
+          </a:xfrm>
+          <a:prstGeom prst="wedgeEllipseCallout">
+            <a:avLst>
+              <a:gd name="adj1" fmla="val 26235"/>
+              <a:gd name="adj2" fmla="val 70969"/>
+            </a:avLst>
+          </a:prstGeom>
+        </p:spPr>
+        <p:style>
+          <a:lnRef idx="2">
+            <a:schemeClr val="accent1">
+              <a:shade val="50000"/>
+            </a:schemeClr>
+          </a:lnRef>
+          <a:fillRef idx="1">
+            <a:schemeClr val="accent1"/>
+          </a:fillRef>
+          <a:effectRef idx="0">
+            <a:schemeClr val="accent1"/>
+          </a:effectRef>
+          <a:fontRef idx="minor">
+            <a:schemeClr val="lt1"/>
+          </a:fontRef>
+        </p:style>
+        <p:txBody>
+          <a:bodyPr rtlCol="0" anchor="ctr"/>
+          <a:lstStyle/>
+          <a:p>
+            <a:pPr algn="ctr"/>
+            <a:endParaRPr lang="en-US"/>
+          </a:p>
+        </p:txBody>
+      </p:sp>
     </p:spTree>
     <p:extLst>
       <p:ext uri="{BB962C8B-B14F-4D97-AF65-F5344CB8AC3E}">
-        <p14:creationId xmlns:p14="http://schemas.microsoft.com/office/powerpoint/2010/main" val="1517894859"/>
+        <p14:creationId xmlns:p14="http://schemas.microsoft.com/office/powerpoint/2010/main" val="2016947961"/>
       </p:ext>
     </p:extLst>
   </p:cSld>
   <p:clrMapOvr>
     <a:masterClrMapping/>
   </p:clrMapOvr>
-  <mc:AlternateContent xmlns:mc="http://schemas.openxmlformats.org/markup-compatibility/2006">
-    <mc:Choice xmlns:p159="http://schemas.microsoft.com/office/powerpoint/2015/09/main" Requires="p159">
-      <p:transition xmlns:p14="http://schemas.microsoft.com/office/powerpoint/2010/main" spd="slow" p14:dur="2000" advTm="1000">
-        <p159:morph option="byObject"/>
-      </p:transition>
-    </mc:Choice>
-    <mc:Fallback>
-      <p:transition spd="slow" advTm="1000">
-        <p:fade/>
-      </p:transition>
-    </mc:Fallback>
-  </mc:AlternateContent>
+  <p:transition advTm="500">
+    <p:fade/>
+  </p:transition>
   <p:timing>
     <p:tnLst>
       <p:par>
@@ -8925,379 +8675,7 @@
 </p:sld>
 </file>
 
-<file path=ppt/slides/slide25.xml><?xml version="1.0" encoding="utf-8"?>
-<p:sld xmlns:a="http://schemas.openxmlformats.org/drawingml/2006/main" xmlns:r="http://schemas.openxmlformats.org/officeDocument/2006/relationships" xmlns:p="http://schemas.openxmlformats.org/presentationml/2006/main">
-  <p:cSld>
-    <p:spTree>
-      <p:nvGrpSpPr>
-        <p:cNvPr id="1" name=""/>
-        <p:cNvGrpSpPr/>
-        <p:nvPr/>
-      </p:nvGrpSpPr>
-      <p:grpSpPr>
-        <a:xfrm>
-          <a:off x="0" y="0"/>
-          <a:ext cx="0" cy="0"/>
-          <a:chOff x="0" y="0"/>
-          <a:chExt cx="0" cy="0"/>
-        </a:xfrm>
-      </p:grpSpPr>
-      <p:pic>
-        <p:nvPicPr>
-          <p:cNvPr id="12" name="Picture 11"/>
-          <p:cNvPicPr>
-            <a:picLocks noChangeAspect="1"/>
-          </p:cNvPicPr>
-          <p:nvPr/>
-        </p:nvPicPr>
-        <p:blipFill>
-          <a:blip r:embed="rId4">
-            <a:extLst>
-              <a:ext uri="{28A0092B-C50C-407E-A947-70E740481C1C}">
-                <a14:useLocalDpi xmlns:a14="http://schemas.microsoft.com/office/drawing/2010/main" val="0"/>
-              </a:ext>
-            </a:extLst>
-          </a:blip>
-          <a:stretch>
-            <a:fillRect/>
-          </a:stretch>
-        </p:blipFill>
-        <p:spPr>
-          <a:xfrm>
-            <a:off x="3807457" y="-576470"/>
-            <a:ext cx="4376945" cy="4376945"/>
-          </a:xfrm>
-          <a:prstGeom prst="rect">
-            <a:avLst/>
-          </a:prstGeom>
-        </p:spPr>
-      </p:pic>
-      <p:pic>
-        <p:nvPicPr>
-          <p:cNvPr id="15" name="Picture 14"/>
-          <p:cNvPicPr>
-            <a:picLocks noChangeAspect="1"/>
-          </p:cNvPicPr>
-          <p:nvPr/>
-        </p:nvPicPr>
-        <p:blipFill>
-          <a:blip r:embed="rId5">
-            <a:extLst>
-              <a:ext uri="{28A0092B-C50C-407E-A947-70E740481C1C}">
-                <a14:useLocalDpi xmlns:a14="http://schemas.microsoft.com/office/drawing/2010/main" val="0"/>
-              </a:ext>
-            </a:extLst>
-          </a:blip>
-          <a:stretch>
-            <a:fillRect/>
-          </a:stretch>
-        </p:blipFill>
-        <p:spPr>
-          <a:xfrm>
-            <a:off x="7788425" y="614519"/>
-            <a:ext cx="1478711" cy="1478711"/>
-          </a:xfrm>
-          <a:prstGeom prst="rect">
-            <a:avLst/>
-          </a:prstGeom>
-        </p:spPr>
-      </p:pic>
-      <p:pic>
-        <p:nvPicPr>
-          <p:cNvPr id="17" name="Picture 16"/>
-          <p:cNvPicPr>
-            <a:picLocks noChangeAspect="1"/>
-          </p:cNvPicPr>
-          <p:nvPr/>
-        </p:nvPicPr>
-        <p:blipFill>
-          <a:blip r:embed="rId6">
-            <a:extLst>
-              <a:ext uri="{28A0092B-C50C-407E-A947-70E740481C1C}">
-                <a14:useLocalDpi xmlns:a14="http://schemas.microsoft.com/office/drawing/2010/main" val="0"/>
-              </a:ext>
-            </a:extLst>
-          </a:blip>
-          <a:stretch>
-            <a:fillRect/>
-          </a:stretch>
-        </p:blipFill>
-        <p:spPr>
-          <a:xfrm>
-            <a:off x="4451993" y="5048666"/>
-            <a:ext cx="1270000" cy="1651000"/>
-          </a:xfrm>
-          <a:prstGeom prst="rect">
-            <a:avLst/>
-          </a:prstGeom>
-        </p:spPr>
-      </p:pic>
-      <p:pic>
-        <p:nvPicPr>
-          <p:cNvPr id="18" name="Picture 17"/>
-          <p:cNvPicPr>
-            <a:picLocks noChangeAspect="1"/>
-          </p:cNvPicPr>
-          <p:nvPr/>
-        </p:nvPicPr>
-        <p:blipFill>
-          <a:blip r:embed="rId7">
-            <a:extLst>
-              <a:ext uri="{28A0092B-C50C-407E-A947-70E740481C1C}">
-                <a14:useLocalDpi xmlns:a14="http://schemas.microsoft.com/office/drawing/2010/main" val="0"/>
-              </a:ext>
-            </a:extLst>
-          </a:blip>
-          <a:stretch>
-            <a:fillRect/>
-          </a:stretch>
-        </p:blipFill>
-        <p:spPr>
-          <a:xfrm>
-            <a:off x="5995929" y="5048666"/>
-            <a:ext cx="1270000" cy="1651000"/>
-          </a:xfrm>
-          <a:prstGeom prst="rect">
-            <a:avLst/>
-          </a:prstGeom>
-        </p:spPr>
-      </p:pic>
-      <p:pic>
-        <p:nvPicPr>
-          <p:cNvPr id="21" name="Picture 20"/>
-          <p:cNvPicPr>
-            <a:picLocks noChangeAspect="1"/>
-          </p:cNvPicPr>
-          <p:nvPr/>
-        </p:nvPicPr>
-        <p:blipFill>
-          <a:blip r:embed="rId8">
-            <a:extLst>
-              <a:ext uri="{28A0092B-C50C-407E-A947-70E740481C1C}">
-                <a14:useLocalDpi xmlns:a14="http://schemas.microsoft.com/office/drawing/2010/main" val="0"/>
-              </a:ext>
-            </a:extLst>
-          </a:blip>
-          <a:stretch>
-            <a:fillRect/>
-          </a:stretch>
-        </p:blipFill>
-        <p:spPr>
-          <a:xfrm>
-            <a:off x="7595817" y="4456002"/>
-            <a:ext cx="1270000" cy="1651000"/>
-          </a:xfrm>
-          <a:prstGeom prst="rect">
-            <a:avLst/>
-          </a:prstGeom>
-        </p:spPr>
-      </p:pic>
-      <p:pic>
-        <p:nvPicPr>
-          <p:cNvPr id="22" name="Picture 21"/>
-          <p:cNvPicPr>
-            <a:picLocks noChangeAspect="1"/>
-          </p:cNvPicPr>
-          <p:nvPr/>
-        </p:nvPicPr>
-        <p:blipFill>
-          <a:blip r:embed="rId9">
-            <a:extLst>
-              <a:ext uri="{28A0092B-C50C-407E-A947-70E740481C1C}">
-                <a14:useLocalDpi xmlns:a14="http://schemas.microsoft.com/office/drawing/2010/main" val="0"/>
-              </a:ext>
-            </a:extLst>
-          </a:blip>
-          <a:stretch>
-            <a:fillRect/>
-          </a:stretch>
-        </p:blipFill>
-        <p:spPr>
-          <a:xfrm>
-            <a:off x="2924865" y="5048666"/>
-            <a:ext cx="1270000" cy="1651000"/>
-          </a:xfrm>
-          <a:prstGeom prst="rect">
-            <a:avLst/>
-          </a:prstGeom>
-        </p:spPr>
-      </p:pic>
-      <p:pic>
-        <p:nvPicPr>
-          <p:cNvPr id="9" name="Picture 8"/>
-          <p:cNvPicPr>
-            <a:picLocks noChangeAspect="1"/>
-          </p:cNvPicPr>
-          <p:nvPr/>
-        </p:nvPicPr>
-        <p:blipFill>
-          <a:blip r:embed="rId10">
-            <a:extLst>
-              <a:ext uri="{28A0092B-C50C-407E-A947-70E740481C1C}">
-                <a14:useLocalDpi xmlns:a14="http://schemas.microsoft.com/office/drawing/2010/main" val="0"/>
-              </a:ext>
-            </a:extLst>
-          </a:blip>
-          <a:stretch>
-            <a:fillRect/>
-          </a:stretch>
-        </p:blipFill>
-        <p:spPr>
-          <a:xfrm>
-            <a:off x="6288250" y="3280298"/>
-            <a:ext cx="2531852" cy="1301937"/>
-          </a:xfrm>
-          <a:prstGeom prst="rect">
-            <a:avLst/>
-          </a:prstGeom>
-        </p:spPr>
-      </p:pic>
-      <p:pic>
-        <p:nvPicPr>
-          <p:cNvPr id="2" name="Sound 1">
-            <a:hlinkClick r:id="" action="ppaction://media"/>
-          </p:cNvPr>
-          <p:cNvPicPr>
-            <a:picLocks noChangeAspect="1"/>
-          </p:cNvPicPr>
-          <p:nvPr>
-            <a:audioFile r:link="rId2"/>
-            <p:extLst>
-              <p:ext uri="{DAA4B4D4-6D71-4841-9C94-3DE7FCFB9230}">
-                <p14:media xmlns:p14="http://schemas.microsoft.com/office/powerpoint/2010/main" r:embed="rId1"/>
-              </p:ext>
-            </p:extLst>
-          </p:nvPr>
-        </p:nvPicPr>
-        <p:blipFill>
-          <a:blip r:embed="rId11"/>
-          <a:stretch>
-            <a:fillRect/>
-          </a:stretch>
-        </p:blipFill>
-        <p:spPr>
-          <a:xfrm>
-            <a:off x="11163300" y="5829300"/>
-            <a:ext cx="812800" cy="812800"/>
-          </a:xfrm>
-          <a:prstGeom prst="rect">
-            <a:avLst/>
-          </a:prstGeom>
-        </p:spPr>
-      </p:pic>
-    </p:spTree>
-    <p:extLst>
-      <p:ext uri="{BB962C8B-B14F-4D97-AF65-F5344CB8AC3E}">
-        <p14:creationId xmlns:p14="http://schemas.microsoft.com/office/powerpoint/2010/main" val="1971767237"/>
-      </p:ext>
-    </p:extLst>
-  </p:cSld>
-  <p:clrMapOvr>
-    <a:masterClrMapping/>
-  </p:clrMapOvr>
-  <mc:AlternateContent xmlns:mc="http://schemas.openxmlformats.org/markup-compatibility/2006">
-    <mc:Choice xmlns:p159="http://schemas.microsoft.com/office/powerpoint/2015/09/main" Requires="p159">
-      <p:transition xmlns:p14="http://schemas.microsoft.com/office/powerpoint/2010/main" spd="slow" p14:dur="2000" advTm="2112">
-        <p159:morph option="byObject"/>
-      </p:transition>
-    </mc:Choice>
-    <mc:Fallback>
-      <p:transition spd="slow" advTm="2112">
-        <p:fade/>
-      </p:transition>
-    </mc:Fallback>
-  </mc:AlternateContent>
-  <p:timing>
-    <p:tnLst>
-      <p:par>
-        <p:cTn id="1" dur="indefinite" restart="never" nodeType="tmRoot">
-          <p:childTnLst>
-            <p:seq concurrent="1" nextAc="seek">
-              <p:cTn id="2" dur="indefinite" nodeType="mainSeq">
-                <p:childTnLst>
-                  <p:par>
-                    <p:cTn id="3" fill="hold">
-                      <p:stCondLst>
-                        <p:cond delay="indefinite"/>
-                        <p:cond evt="onBegin" delay="0">
-                          <p:tn val="2"/>
-                        </p:cond>
-                      </p:stCondLst>
-                      <p:childTnLst>
-                        <p:par>
-                          <p:cTn id="4" fill="hold">
-                            <p:stCondLst>
-                              <p:cond delay="0"/>
-                            </p:stCondLst>
-                            <p:childTnLst>
-                              <p:par>
-                                <p:cTn id="5" presetID="1" presetClass="mediacall" presetSubtype="0" fill="hold" nodeType="afterEffect">
-                                  <p:stCondLst>
-                                    <p:cond delay="0"/>
-                                  </p:stCondLst>
-                                  <p:childTnLst>
-                                    <p:cmd type="call" cmd="playFrom(0.0)">
-                                      <p:cBhvr>
-                                        <p:cTn id="6" dur="1" fill="hold"/>
-                                        <p:tgtEl>
-                                          <p:spTgt spid="2"/>
-                                        </p:tgtEl>
-                                      </p:cBhvr>
-                                    </p:cmd>
-                                  </p:childTnLst>
-                                </p:cTn>
-                              </p:par>
-                            </p:childTnLst>
-                          </p:cTn>
-                        </p:par>
-                      </p:childTnLst>
-                    </p:cTn>
-                  </p:par>
-                </p:childTnLst>
-              </p:cTn>
-              <p:prevCondLst>
-                <p:cond evt="onPrev" delay="0">
-                  <p:tgtEl>
-                    <p:sldTgt/>
-                  </p:tgtEl>
-                </p:cond>
-              </p:prevCondLst>
-              <p:nextCondLst>
-                <p:cond evt="onNext" delay="0">
-                  <p:tgtEl>
-                    <p:sldTgt/>
-                  </p:tgtEl>
-                </p:cond>
-              </p:nextCondLst>
-            </p:seq>
-            <p:audio isNarration="1">
-              <p:cMediaNode vol="80000" showWhenStopped="0">
-                <p:cTn id="7" fill="hold" display="0">
-                  <p:stCondLst>
-                    <p:cond delay="indefinite"/>
-                  </p:stCondLst>
-                  <p:endCondLst>
-                    <p:cond evt="onStopAudio" delay="0">
-                      <p:tgtEl>
-                        <p:sldTgt/>
-                      </p:tgtEl>
-                    </p:cond>
-                  </p:endCondLst>
-                </p:cTn>
-                <p:tgtEl>
-                  <p:spTgt spid="2"/>
-                </p:tgtEl>
-              </p:cMediaNode>
-            </p:audio>
-          </p:childTnLst>
-        </p:cTn>
-      </p:par>
-    </p:tnLst>
-  </p:timing>
-</p:sld>
-</file>
-
-<file path=ppt/slides/slide3.xml><?xml version="1.0" encoding="utf-8"?>
+<file path=ppt/slides/slide4.xml><?xml version="1.0" encoding="utf-8"?>
 <p:sld xmlns:a="http://schemas.openxmlformats.org/drawingml/2006/main" xmlns:r="http://schemas.openxmlformats.org/officeDocument/2006/relationships" xmlns:p="http://schemas.openxmlformats.org/presentationml/2006/main">
   <p:cSld>
     <p:spTree>
@@ -9632,18 +9010,9 @@
   <p:clrMapOvr>
     <a:masterClrMapping/>
   </p:clrMapOvr>
-  <mc:AlternateContent xmlns:mc="http://schemas.openxmlformats.org/markup-compatibility/2006">
-    <mc:Choice xmlns:p14="http://schemas.microsoft.com/office/powerpoint/2010/main" Requires="p14">
-      <p:transition spd="med" p14:dur="700" advTm="500">
-        <p:fade/>
-      </p:transition>
-    </mc:Choice>
-    <mc:Fallback>
-      <p:transition spd="med" advTm="500">
-        <p:fade/>
-      </p:transition>
-    </mc:Fallback>
-  </mc:AlternateContent>
+  <p:transition advTm="500">
+    <p:fade/>
+  </p:transition>
   <p:timing>
     <p:tnLst>
       <p:par>
@@ -9654,7 +9023,7 @@
 </p:sld>
 </file>
 
-<file path=ppt/slides/slide4.xml><?xml version="1.0" encoding="utf-8"?>
+<file path=ppt/slides/slide5.xml><?xml version="1.0" encoding="utf-8"?>
 <p:sld xmlns:a="http://schemas.openxmlformats.org/drawingml/2006/main" xmlns:r="http://schemas.openxmlformats.org/officeDocument/2006/relationships" xmlns:p="http://schemas.openxmlformats.org/presentationml/2006/main">
   <p:cSld>
     <p:spTree>
@@ -9986,18 +9355,9 @@
   <p:clrMapOvr>
     <a:masterClrMapping/>
   </p:clrMapOvr>
-  <mc:AlternateContent xmlns:mc="http://schemas.openxmlformats.org/markup-compatibility/2006">
-    <mc:Choice xmlns:p14="http://schemas.microsoft.com/office/powerpoint/2010/main" Requires="p14">
-      <p:transition spd="med" p14:dur="700" advTm="1000">
-        <p:fade/>
-      </p:transition>
-    </mc:Choice>
-    <mc:Fallback>
-      <p:transition spd="med" advTm="1000">
-        <p:fade/>
-      </p:transition>
-    </mc:Fallback>
-  </mc:AlternateContent>
+  <p:transition advTm="1000">
+    <p:fade/>
+  </p:transition>
   <p:timing>
     <p:tnLst>
       <p:par>
@@ -10008,7 +9368,7 @@
 </p:sld>
 </file>
 
-<file path=ppt/slides/slide5.xml><?xml version="1.0" encoding="utf-8"?>
+<file path=ppt/slides/slide6.xml><?xml version="1.0" encoding="utf-8"?>
 <p:sld xmlns:a="http://schemas.openxmlformats.org/drawingml/2006/main" xmlns:r="http://schemas.openxmlformats.org/officeDocument/2006/relationships" xmlns:p="http://schemas.openxmlformats.org/presentationml/2006/main">
   <p:cSld>
     <p:spTree>
@@ -10343,18 +9703,9 @@
   <p:clrMapOvr>
     <a:masterClrMapping/>
   </p:clrMapOvr>
-  <mc:AlternateContent xmlns:mc="http://schemas.openxmlformats.org/markup-compatibility/2006">
-    <mc:Choice xmlns:p14="http://schemas.microsoft.com/office/powerpoint/2010/main" Requires="p14">
-      <p:transition spd="med" p14:dur="700" advTm="500">
-        <p:fade/>
-      </p:transition>
-    </mc:Choice>
-    <mc:Fallback>
-      <p:transition spd="med" advTm="500">
-        <p:fade/>
-      </p:transition>
-    </mc:Fallback>
-  </mc:AlternateContent>
+  <p:transition advTm="500">
+    <p:fade/>
+  </p:transition>
   <p:timing>
     <p:tnLst>
       <p:par>
@@ -10365,7 +9716,7 @@
 </p:sld>
 </file>
 
-<file path=ppt/slides/slide6.xml><?xml version="1.0" encoding="utf-8"?>
+<file path=ppt/slides/slide7.xml><?xml version="1.0" encoding="utf-8"?>
 <p:sld xmlns:a="http://schemas.openxmlformats.org/drawingml/2006/main" xmlns:r="http://schemas.openxmlformats.org/officeDocument/2006/relationships" xmlns:p="http://schemas.openxmlformats.org/presentationml/2006/main">
   <p:cSld>
     <p:spTree>
@@ -10700,18 +10051,9 @@
   <p:clrMapOvr>
     <a:masterClrMapping/>
   </p:clrMapOvr>
-  <mc:AlternateContent xmlns:mc="http://schemas.openxmlformats.org/markup-compatibility/2006">
-    <mc:Choice xmlns:p14="http://schemas.microsoft.com/office/powerpoint/2010/main" Requires="p14">
-      <p:transition spd="med" p14:dur="700" advTm="500">
-        <p:fade/>
-      </p:transition>
-    </mc:Choice>
-    <mc:Fallback>
-      <p:transition spd="med" advTm="500">
-        <p:fade/>
-      </p:transition>
-    </mc:Fallback>
-  </mc:AlternateContent>
+  <p:transition advTm="500">
+    <p:fade/>
+  </p:transition>
   <p:timing>
     <p:tnLst>
       <p:par>
@@ -10722,7 +10064,7 @@
 </p:sld>
 </file>
 
-<file path=ppt/slides/slide7.xml><?xml version="1.0" encoding="utf-8"?>
+<file path=ppt/slides/slide8.xml><?xml version="1.0" encoding="utf-8"?>
 <p:sld xmlns:a="http://schemas.openxmlformats.org/drawingml/2006/main" xmlns:r="http://schemas.openxmlformats.org/officeDocument/2006/relationships" xmlns:p="http://schemas.openxmlformats.org/presentationml/2006/main">
   <p:cSld>
     <p:spTree>
@@ -11057,18 +10399,9 @@
   <p:clrMapOvr>
     <a:masterClrMapping/>
   </p:clrMapOvr>
-  <mc:AlternateContent xmlns:mc="http://schemas.openxmlformats.org/markup-compatibility/2006">
-    <mc:Choice xmlns:p14="http://schemas.microsoft.com/office/powerpoint/2010/main" Requires="p14">
-      <p:transition spd="med" p14:dur="700" advTm="500">
-        <p:fade/>
-      </p:transition>
-    </mc:Choice>
-    <mc:Fallback>
-      <p:transition spd="med" advTm="500">
-        <p:fade/>
-      </p:transition>
-    </mc:Fallback>
-  </mc:AlternateContent>
+  <p:transition advTm="500">
+    <p:fade/>
+  </p:transition>
   <p:timing>
     <p:tnLst>
       <p:par>
@@ -11079,7 +10412,7 @@
 </p:sld>
 </file>
 
-<file path=ppt/slides/slide8.xml><?xml version="1.0" encoding="utf-8"?>
+<file path=ppt/slides/slide9.xml><?xml version="1.0" encoding="utf-8"?>
 <p:sld xmlns:a="http://schemas.openxmlformats.org/drawingml/2006/main" xmlns:r="http://schemas.openxmlformats.org/officeDocument/2006/relationships" xmlns:p="http://schemas.openxmlformats.org/presentationml/2006/main">
   <p:cSld>
     <p:spTree>
@@ -11411,375 +10744,9 @@
   <p:clrMapOvr>
     <a:masterClrMapping/>
   </p:clrMapOvr>
-  <mc:AlternateContent xmlns:mc="http://schemas.openxmlformats.org/markup-compatibility/2006">
-    <mc:Choice xmlns:p14="http://schemas.microsoft.com/office/powerpoint/2010/main" Requires="p14">
-      <p:transition spd="med" p14:dur="700" advTm="500">
-        <p:fade/>
-      </p:transition>
-    </mc:Choice>
-    <mc:Fallback>
-      <p:transition spd="med" advTm="500">
-        <p:fade/>
-      </p:transition>
-    </mc:Fallback>
-  </mc:AlternateContent>
-  <p:timing>
-    <p:tnLst>
-      <p:par>
-        <p:cTn id="1" dur="indefinite" restart="never" nodeType="tmRoot"/>
-      </p:par>
-    </p:tnLst>
-  </p:timing>
-</p:sld>
-</file>
-
-<file path=ppt/slides/slide9.xml><?xml version="1.0" encoding="utf-8"?>
-<p:sld xmlns:a="http://schemas.openxmlformats.org/drawingml/2006/main" xmlns:r="http://schemas.openxmlformats.org/officeDocument/2006/relationships" xmlns:p="http://schemas.openxmlformats.org/presentationml/2006/main">
-  <p:cSld>
-    <p:spTree>
-      <p:nvGrpSpPr>
-        <p:cNvPr id="1" name=""/>
-        <p:cNvGrpSpPr/>
-        <p:nvPr/>
-      </p:nvGrpSpPr>
-      <p:grpSpPr>
-        <a:xfrm>
-          <a:off x="0" y="0"/>
-          <a:ext cx="0" cy="0"/>
-          <a:chOff x="0" y="0"/>
-          <a:chExt cx="0" cy="0"/>
-        </a:xfrm>
-      </p:grpSpPr>
-      <p:pic>
-        <p:nvPicPr>
-          <p:cNvPr id="14" name="Picture 13"/>
-          <p:cNvPicPr>
-            <a:picLocks noChangeAspect="1"/>
-          </p:cNvPicPr>
-          <p:nvPr/>
-        </p:nvPicPr>
-        <p:blipFill>
-          <a:blip r:embed="rId2">
-            <a:extLst>
-              <a:ext uri="{28A0092B-C50C-407E-A947-70E740481C1C}">
-                <a14:useLocalDpi xmlns:a14="http://schemas.microsoft.com/office/drawing/2010/main" val="0"/>
-              </a:ext>
-            </a:extLst>
-          </a:blip>
-          <a:stretch>
-            <a:fillRect/>
-          </a:stretch>
-        </p:blipFill>
-        <p:spPr>
-          <a:xfrm>
-            <a:off x="5204519" y="3280298"/>
-            <a:ext cx="2531852" cy="1301937"/>
-          </a:xfrm>
-          <a:prstGeom prst="rect">
-            <a:avLst/>
-          </a:prstGeom>
-        </p:spPr>
-      </p:pic>
-      <p:pic>
-        <p:nvPicPr>
-          <p:cNvPr id="12" name="Picture 11"/>
-          <p:cNvPicPr>
-            <a:picLocks noChangeAspect="1"/>
-          </p:cNvPicPr>
-          <p:nvPr/>
-        </p:nvPicPr>
-        <p:blipFill>
-          <a:blip r:embed="rId3">
-            <a:extLst>
-              <a:ext uri="{28A0092B-C50C-407E-A947-70E740481C1C}">
-                <a14:useLocalDpi xmlns:a14="http://schemas.microsoft.com/office/drawing/2010/main" val="0"/>
-              </a:ext>
-            </a:extLst>
-          </a:blip>
-          <a:stretch>
-            <a:fillRect/>
-          </a:stretch>
-        </p:blipFill>
-        <p:spPr>
-          <a:xfrm>
-            <a:off x="3807457" y="-576470"/>
-            <a:ext cx="4376945" cy="4376945"/>
-          </a:xfrm>
-          <a:prstGeom prst="rect">
-            <a:avLst/>
-          </a:prstGeom>
-        </p:spPr>
-      </p:pic>
-      <p:pic>
-        <p:nvPicPr>
-          <p:cNvPr id="15" name="Picture 14"/>
-          <p:cNvPicPr>
-            <a:picLocks noChangeAspect="1"/>
-          </p:cNvPicPr>
-          <p:nvPr/>
-        </p:nvPicPr>
-        <p:blipFill>
-          <a:blip r:embed="rId4">
-            <a:extLst>
-              <a:ext uri="{28A0092B-C50C-407E-A947-70E740481C1C}">
-                <a14:useLocalDpi xmlns:a14="http://schemas.microsoft.com/office/drawing/2010/main" val="0"/>
-              </a:ext>
-            </a:extLst>
-          </a:blip>
-          <a:stretch>
-            <a:fillRect/>
-          </a:stretch>
-        </p:blipFill>
-        <p:spPr>
-          <a:xfrm>
-            <a:off x="7788425" y="614519"/>
-            <a:ext cx="1478711" cy="1478711"/>
-          </a:xfrm>
-          <a:prstGeom prst="rect">
-            <a:avLst/>
-          </a:prstGeom>
-        </p:spPr>
-      </p:pic>
-      <p:pic>
-        <p:nvPicPr>
-          <p:cNvPr id="17" name="Picture 16"/>
-          <p:cNvPicPr>
-            <a:picLocks noChangeAspect="1"/>
-          </p:cNvPicPr>
-          <p:nvPr/>
-        </p:nvPicPr>
-        <p:blipFill>
-          <a:blip r:embed="rId5">
-            <a:extLst>
-              <a:ext uri="{28A0092B-C50C-407E-A947-70E740481C1C}">
-                <a14:useLocalDpi xmlns:a14="http://schemas.microsoft.com/office/drawing/2010/main" val="0"/>
-              </a:ext>
-            </a:extLst>
-          </a:blip>
-          <a:stretch>
-            <a:fillRect/>
-          </a:stretch>
-        </p:blipFill>
-        <p:spPr>
-          <a:xfrm>
-            <a:off x="4451993" y="5048666"/>
-            <a:ext cx="1270000" cy="1651000"/>
-          </a:xfrm>
-          <a:prstGeom prst="rect">
-            <a:avLst/>
-          </a:prstGeom>
-        </p:spPr>
-      </p:pic>
-      <p:pic>
-        <p:nvPicPr>
-          <p:cNvPr id="18" name="Picture 17"/>
-          <p:cNvPicPr>
-            <a:picLocks noChangeAspect="1"/>
-          </p:cNvPicPr>
-          <p:nvPr/>
-        </p:nvPicPr>
-        <p:blipFill>
-          <a:blip r:embed="rId6">
-            <a:extLst>
-              <a:ext uri="{28A0092B-C50C-407E-A947-70E740481C1C}">
-                <a14:useLocalDpi xmlns:a14="http://schemas.microsoft.com/office/drawing/2010/main" val="0"/>
-              </a:ext>
-            </a:extLst>
-          </a:blip>
-          <a:stretch>
-            <a:fillRect/>
-          </a:stretch>
-        </p:blipFill>
-        <p:spPr>
-          <a:xfrm>
-            <a:off x="5995929" y="4320530"/>
-            <a:ext cx="1270000" cy="1651000"/>
-          </a:xfrm>
-          <a:prstGeom prst="rect">
-            <a:avLst/>
-          </a:prstGeom>
-        </p:spPr>
-      </p:pic>
-      <p:pic>
-        <p:nvPicPr>
-          <p:cNvPr id="21" name="Picture 20"/>
-          <p:cNvPicPr>
-            <a:picLocks noChangeAspect="1"/>
-          </p:cNvPicPr>
-          <p:nvPr/>
-        </p:nvPicPr>
-        <p:blipFill>
-          <a:blip r:embed="rId7">
-            <a:extLst>
-              <a:ext uri="{28A0092B-C50C-407E-A947-70E740481C1C}">
-                <a14:useLocalDpi xmlns:a14="http://schemas.microsoft.com/office/drawing/2010/main" val="0"/>
-              </a:ext>
-            </a:extLst>
-          </a:blip>
-          <a:stretch>
-            <a:fillRect/>
-          </a:stretch>
-        </p:blipFill>
-        <p:spPr>
-          <a:xfrm>
-            <a:off x="7595817" y="5048666"/>
-            <a:ext cx="1270000" cy="1651000"/>
-          </a:xfrm>
-          <a:prstGeom prst="rect">
-            <a:avLst/>
-          </a:prstGeom>
-        </p:spPr>
-      </p:pic>
-      <p:pic>
-        <p:nvPicPr>
-          <p:cNvPr id="22" name="Picture 21"/>
-          <p:cNvPicPr>
-            <a:picLocks noChangeAspect="1"/>
-          </p:cNvPicPr>
-          <p:nvPr/>
-        </p:nvPicPr>
-        <p:blipFill>
-          <a:blip r:embed="rId8">
-            <a:extLst>
-              <a:ext uri="{28A0092B-C50C-407E-A947-70E740481C1C}">
-                <a14:useLocalDpi xmlns:a14="http://schemas.microsoft.com/office/drawing/2010/main" val="0"/>
-              </a:ext>
-            </a:extLst>
-          </a:blip>
-          <a:stretch>
-            <a:fillRect/>
-          </a:stretch>
-        </p:blipFill>
-        <p:spPr>
-          <a:xfrm>
-            <a:off x="2924865" y="5048666"/>
-            <a:ext cx="1270000" cy="1651000"/>
-          </a:xfrm>
-          <a:prstGeom prst="rect">
-            <a:avLst/>
-          </a:prstGeom>
-        </p:spPr>
-      </p:pic>
-      <p:sp>
-        <p:nvSpPr>
-          <p:cNvPr id="24" name="Rectangle 23"/>
-          <p:cNvSpPr/>
-          <p:nvPr/>
-        </p:nvSpPr>
-        <p:spPr>
-          <a:xfrm>
-            <a:off x="8175759" y="2023522"/>
-            <a:ext cx="704040" cy="1323439"/>
-          </a:xfrm>
-          <a:prstGeom prst="rect">
-            <a:avLst/>
-          </a:prstGeom>
-          <a:noFill/>
-        </p:spPr>
-        <p:txBody>
-          <a:bodyPr wrap="none" lIns="91440" tIns="45720" rIns="91440" bIns="45720">
-            <a:spAutoFit/>
-          </a:bodyPr>
-          <a:lstStyle/>
-          <a:p>
-            <a:pPr algn="ctr"/>
-            <a:r>
-              <a:rPr lang="en-AU" sz="8000" dirty="0">
-                <a:ln w="0"/>
-                <a:solidFill>
-                  <a:schemeClr val="accent1"/>
-                </a:solidFill>
-                <a:effectLst>
-                  <a:outerShdw blurRad="38100" dist="25400" dir="5400000" algn="ctr" rotWithShape="0">
-                    <a:srgbClr val="6E747A">
-                      <a:alpha val="43000"/>
-                    </a:srgbClr>
-                  </a:outerShdw>
-                </a:effectLst>
-              </a:rPr>
-              <a:t>2</a:t>
-            </a:r>
-            <a:endParaRPr lang="en-AU" sz="8000" b="0" cap="none" spc="0" dirty="0">
-              <a:ln w="0"/>
-              <a:solidFill>
-                <a:schemeClr val="accent1"/>
-              </a:solidFill>
-              <a:effectLst>
-                <a:outerShdw blurRad="38100" dist="25400" dir="5400000" algn="ctr" rotWithShape="0">
-                  <a:srgbClr val="6E747A">
-                    <a:alpha val="43000"/>
-                  </a:srgbClr>
-                </a:outerShdw>
-              </a:effectLst>
-            </a:endParaRPr>
-          </a:p>
-        </p:txBody>
-      </p:sp>
-      <p:sp>
-        <p:nvSpPr>
-          <p:cNvPr id="10" name="Oval Callout 9"/>
-          <p:cNvSpPr/>
-          <p:nvPr/>
-        </p:nvSpPr>
-        <p:spPr>
-          <a:xfrm>
-            <a:off x="3479336" y="4105598"/>
-            <a:ext cx="1431058" cy="429863"/>
-          </a:xfrm>
-          <a:prstGeom prst="wedgeEllipseCallout">
-            <a:avLst>
-              <a:gd name="adj1" fmla="val 28290"/>
-              <a:gd name="adj2" fmla="val 142760"/>
-            </a:avLst>
-          </a:prstGeom>
-        </p:spPr>
-        <p:style>
-          <a:lnRef idx="2">
-            <a:schemeClr val="accent1">
-              <a:shade val="50000"/>
-            </a:schemeClr>
-          </a:lnRef>
-          <a:fillRef idx="1">
-            <a:schemeClr val="accent1"/>
-          </a:fillRef>
-          <a:effectRef idx="0">
-            <a:schemeClr val="accent1"/>
-          </a:effectRef>
-          <a:fontRef idx="minor">
-            <a:schemeClr val="lt1"/>
-          </a:fontRef>
-        </p:style>
-        <p:txBody>
-          <a:bodyPr rtlCol="0" anchor="ctr"/>
-          <a:lstStyle/>
-          <a:p>
-            <a:pPr algn="ctr"/>
-            <a:endParaRPr lang="en-US"/>
-          </a:p>
-        </p:txBody>
-      </p:sp>
-    </p:spTree>
-    <p:extLst>
-      <p:ext uri="{BB962C8B-B14F-4D97-AF65-F5344CB8AC3E}">
-        <p14:creationId xmlns:p14="http://schemas.microsoft.com/office/powerpoint/2010/main" val="1350847639"/>
-      </p:ext>
-    </p:extLst>
-  </p:cSld>
-  <p:clrMapOvr>
-    <a:masterClrMapping/>
-  </p:clrMapOvr>
-  <mc:AlternateContent xmlns:mc="http://schemas.openxmlformats.org/markup-compatibility/2006">
-    <mc:Choice xmlns:p14="http://schemas.microsoft.com/office/powerpoint/2010/main" Requires="p14">
-      <p:transition spd="med" p14:dur="700" advTm="500">
-        <p:fade/>
-      </p:transition>
-    </mc:Choice>
-    <mc:Fallback>
-      <p:transition spd="med" advTm="500">
-        <p:fade/>
-      </p:transition>
-    </mc:Fallback>
-  </mc:AlternateContent>
+  <p:transition advTm="500">
+    <p:fade/>
+  </p:transition>
   <p:timing>
     <p:tnLst>
       <p:par>

--- a/assets/MobProgrammingExample.pptx
+++ b/assets/MobProgrammingExample.pptx
@@ -5,7 +5,7 @@
     <p:sldMasterId id="2147483648" r:id="rId1"/>
   </p:sldMasterIdLst>
   <p:notesMasterIdLst>
-    <p:notesMasterId r:id="rId25"/>
+    <p:notesMasterId r:id="rId29"/>
   </p:notesMasterIdLst>
   <p:sldIdLst>
     <p:sldId id="258" r:id="rId2"/>
@@ -26,11 +26,15 @@
     <p:sldId id="275" r:id="rId17"/>
     <p:sldId id="279" r:id="rId18"/>
     <p:sldId id="280" r:id="rId19"/>
-    <p:sldId id="281" r:id="rId20"/>
-    <p:sldId id="282" r:id="rId21"/>
-    <p:sldId id="283" r:id="rId22"/>
-    <p:sldId id="284" r:id="rId23"/>
-    <p:sldId id="286" r:id="rId24"/>
+    <p:sldId id="290" r:id="rId20"/>
+    <p:sldId id="281" r:id="rId21"/>
+    <p:sldId id="282" r:id="rId22"/>
+    <p:sldId id="291" r:id="rId23"/>
+    <p:sldId id="283" r:id="rId24"/>
+    <p:sldId id="288" r:id="rId25"/>
+    <p:sldId id="284" r:id="rId26"/>
+    <p:sldId id="289" r:id="rId27"/>
+    <p:sldId id="286" r:id="rId28"/>
   </p:sldIdLst>
   <p:sldSz cx="12192000" cy="6858000"/>
   <p:notesSz cx="6858000" cy="9144000"/>
@@ -3534,14 +3538,7 @@
   <p:clrMapOvr>
     <a:masterClrMapping/>
   </p:clrMapOvr>
-  <mc:AlternateContent xmlns:mc="http://schemas.openxmlformats.org/markup-compatibility/2006">
-    <mc:Choice xmlns:p14="http://schemas.microsoft.com/office/powerpoint/2010/main" Requires="p14">
-      <p:transition p14:dur="0" advTm="500"/>
-    </mc:Choice>
-    <mc:Fallback>
-      <p:transition advTm="500"/>
-    </mc:Fallback>
-  </mc:AlternateContent>
+  <p:transition spd="slow" advTm="500"/>
   <p:timing>
     <p:tnLst>
       <p:par>
@@ -4412,14 +4409,14 @@
   <p:clrMapOvr>
     <a:masterClrMapping/>
   </p:clrMapOvr>
-  <mc:AlternateContent xmlns:mc="http://schemas.openxmlformats.org/markup-compatibility/2006" xmlns:p159="http://schemas.microsoft.com/office/powerpoint/2015/09/main">
-    <mc:Choice Requires="p159">
-      <p:transition xmlns:p14="http://schemas.microsoft.com/office/powerpoint/2010/main" spd="slow" p14:dur="2000" advTm="100">
+  <mc:AlternateContent xmlns:mc="http://schemas.openxmlformats.org/markup-compatibility/2006">
+    <mc:Choice xmlns:p159="http://schemas.microsoft.com/office/powerpoint/2015/09/main" Requires="p159">
+      <p:transition advTm="500">
         <p159:morph option="byObject"/>
       </p:transition>
     </mc:Choice>
-    <mc:Fallback xmlns="">
-      <p:transition spd="slow" advTm="100">
+    <mc:Fallback>
+      <p:transition advTm="500">
         <p:fade/>
       </p:transition>
     </mc:Fallback>
@@ -6475,7 +6472,7 @@
   <p:clrMapOvr>
     <a:masterClrMapping/>
   </p:clrMapOvr>
-  <p:transition advTm="1000">
+  <p:transition advTm="500">
     <p:fade/>
   </p:transition>
   <p:timing>
@@ -6715,79 +6712,24 @@
           </a:prstGeom>
         </p:spPr>
       </p:pic>
-      <p:sp>
-        <p:nvSpPr>
-          <p:cNvPr id="9" name="Rectangle 8"/>
-          <p:cNvSpPr/>
-          <p:nvPr/>
-        </p:nvSpPr>
-        <p:spPr>
-          <a:xfrm>
-            <a:off x="8081185" y="2023522"/>
-            <a:ext cx="893193" cy="1323439"/>
-          </a:xfrm>
-          <a:prstGeom prst="rect">
-            <a:avLst/>
-          </a:prstGeom>
-          <a:noFill/>
-        </p:spPr>
-        <p:txBody>
-          <a:bodyPr wrap="none" lIns="91440" tIns="45720" rIns="91440" bIns="45720">
-            <a:spAutoFit/>
-          </a:bodyPr>
-          <a:lstStyle/>
-          <a:p>
-            <a:pPr algn="ctr"/>
-            <a:r>
-              <a:rPr lang="mr-IN" sz="8000" dirty="0" smtClean="0">
-                <a:ln w="0"/>
-                <a:solidFill>
-                  <a:schemeClr val="accent1"/>
-                </a:solidFill>
-                <a:effectLst>
-                  <a:outerShdw blurRad="38100" dist="25400" dir="5400000" algn="ctr" rotWithShape="0">
-                    <a:srgbClr val="6E747A">
-                      <a:alpha val="43000"/>
-                    </a:srgbClr>
-                  </a:outerShdw>
-                </a:effectLst>
-              </a:rPr>
-              <a:t>…</a:t>
-            </a:r>
-            <a:endParaRPr lang="en-AU" sz="7200" b="0" cap="none" spc="0" dirty="0">
-              <a:ln w="0"/>
-              <a:solidFill>
-                <a:schemeClr val="accent1"/>
-              </a:solidFill>
-              <a:effectLst>
-                <a:outerShdw blurRad="38100" dist="25400" dir="5400000" algn="ctr" rotWithShape="0">
-                  <a:srgbClr val="6E747A">
-                    <a:alpha val="43000"/>
-                  </a:srgbClr>
-                </a:outerShdw>
-              </a:effectLst>
-            </a:endParaRPr>
-          </a:p>
-        </p:txBody>
-      </p:sp>
     </p:spTree>
     <p:extLst>
       <p:ext uri="{BB962C8B-B14F-4D97-AF65-F5344CB8AC3E}">
-        <p14:creationId xmlns:p14="http://schemas.microsoft.com/office/powerpoint/2010/main" val="2125093721"/>
+        <p14:creationId xmlns:p14="http://schemas.microsoft.com/office/powerpoint/2010/main" val="1701014145"/>
       </p:ext>
     </p:extLst>
   </p:cSld>
   <p:clrMapOvr>
     <a:masterClrMapping/>
   </p:clrMapOvr>
-  <mc:AlternateContent xmlns:mc="http://schemas.openxmlformats.org/markup-compatibility/2006" xmlns:p159="http://schemas.microsoft.com/office/powerpoint/2015/09/main">
-    <mc:Choice Requires="p159">
-      <p:transition xmlns:p14="http://schemas.microsoft.com/office/powerpoint/2010/main" spd="slow" p14:dur="2000" advTm="1000">
+  <mc:AlternateContent xmlns:mc="http://schemas.openxmlformats.org/markup-compatibility/2006">
+    <mc:Choice xmlns:p159="http://schemas.microsoft.com/office/powerpoint/2015/09/main" Requires="p159">
+      <p:transition advTm="500">
         <p159:morph option="byObject"/>
       </p:transition>
     </mc:Choice>
-    <mc:Fallback xmlns="">
-      <p:transition spd="slow" advTm="1000">
+    <mc:Fallback>
+      <p:transition advTm="500">
         <p:fade/>
       </p:transition>
     </mc:Fallback>
@@ -7195,7 +7137,7 @@
         </p:blipFill>
         <p:spPr>
           <a:xfrm>
-            <a:off x="3553828" y="3434937"/>
+            <a:off x="2097563" y="3434937"/>
             <a:ext cx="2531852" cy="1301937"/>
           </a:xfrm>
           <a:prstGeom prst="rect">
@@ -7285,7 +7227,7 @@
         </p:blipFill>
         <p:spPr>
           <a:xfrm>
-            <a:off x="4451993" y="4456002"/>
+            <a:off x="4451993" y="5048666"/>
             <a:ext cx="1270000" cy="1651000"/>
           </a:xfrm>
           <a:prstGeom prst="rect">
@@ -7375,7 +7317,7 @@
         </p:blipFill>
         <p:spPr>
           <a:xfrm>
-            <a:off x="2924865" y="5048666"/>
+            <a:off x="2924865" y="4456002"/>
             <a:ext cx="1270000" cy="1651000"/>
           </a:xfrm>
           <a:prstGeom prst="rect">
@@ -7441,21 +7383,21 @@
     </p:spTree>
     <p:extLst>
       <p:ext uri="{BB962C8B-B14F-4D97-AF65-F5344CB8AC3E}">
-        <p14:creationId xmlns:p14="http://schemas.microsoft.com/office/powerpoint/2010/main" val="1301500327"/>
+        <p14:creationId xmlns:p14="http://schemas.microsoft.com/office/powerpoint/2010/main" val="2125093721"/>
       </p:ext>
     </p:extLst>
   </p:cSld>
   <p:clrMapOvr>
     <a:masterClrMapping/>
   </p:clrMapOvr>
-  <mc:AlternateContent xmlns:mc="http://schemas.openxmlformats.org/markup-compatibility/2006" xmlns:p159="http://schemas.microsoft.com/office/powerpoint/2015/09/main">
-    <mc:Choice Requires="p159">
-      <p:transition xmlns:p14="http://schemas.microsoft.com/office/powerpoint/2010/main" spd="slow" p14:dur="2000" advTm="1000">
+  <mc:AlternateContent xmlns:mc="http://schemas.openxmlformats.org/markup-compatibility/2006">
+    <mc:Choice xmlns:p159="http://schemas.microsoft.com/office/powerpoint/2015/09/main" Requires="p159">
+      <p:transition advTm="500">
         <p159:morph option="byObject"/>
       </p:transition>
     </mc:Choice>
-    <mc:Fallback xmlns="">
-      <p:transition spd="slow" advTm="1000">
+    <mc:Fallback>
+      <p:transition advTm="500">
         <p:fade/>
       </p:transition>
     </mc:Fallback>
@@ -7509,7 +7451,7 @@
         </p:blipFill>
         <p:spPr>
           <a:xfrm>
-            <a:off x="4988074" y="3434937"/>
+            <a:off x="3553828" y="3434937"/>
             <a:ext cx="2531852" cy="1301937"/>
           </a:xfrm>
           <a:prstGeom prst="rect">
@@ -7599,7 +7541,7 @@
         </p:blipFill>
         <p:spPr>
           <a:xfrm>
-            <a:off x="4451993" y="5048666"/>
+            <a:off x="4451993" y="4456002"/>
             <a:ext cx="1270000" cy="1651000"/>
           </a:xfrm>
           <a:prstGeom prst="rect">
@@ -7629,7 +7571,7 @@
         </p:blipFill>
         <p:spPr>
           <a:xfrm>
-            <a:off x="5995929" y="4456002"/>
+            <a:off x="5995929" y="5048666"/>
             <a:ext cx="1270000" cy="1651000"/>
           </a:xfrm>
           <a:prstGeom prst="rect">
@@ -7697,79 +7639,24 @@
           </a:prstGeom>
         </p:spPr>
       </p:pic>
-      <p:sp>
-        <p:nvSpPr>
-          <p:cNvPr id="9" name="Rectangle 8"/>
-          <p:cNvSpPr/>
-          <p:nvPr/>
-        </p:nvSpPr>
-        <p:spPr>
-          <a:xfrm>
-            <a:off x="8081185" y="2023522"/>
-            <a:ext cx="893193" cy="1323439"/>
-          </a:xfrm>
-          <a:prstGeom prst="rect">
-            <a:avLst/>
-          </a:prstGeom>
-          <a:noFill/>
-        </p:spPr>
-        <p:txBody>
-          <a:bodyPr wrap="none" lIns="91440" tIns="45720" rIns="91440" bIns="45720">
-            <a:spAutoFit/>
-          </a:bodyPr>
-          <a:lstStyle/>
-          <a:p>
-            <a:pPr algn="ctr"/>
-            <a:r>
-              <a:rPr lang="mr-IN" sz="8000" dirty="0" smtClean="0">
-                <a:ln w="0"/>
-                <a:solidFill>
-                  <a:schemeClr val="accent1"/>
-                </a:solidFill>
-                <a:effectLst>
-                  <a:outerShdw blurRad="38100" dist="25400" dir="5400000" algn="ctr" rotWithShape="0">
-                    <a:srgbClr val="6E747A">
-                      <a:alpha val="43000"/>
-                    </a:srgbClr>
-                  </a:outerShdw>
-                </a:effectLst>
-              </a:rPr>
-              <a:t>…</a:t>
-            </a:r>
-            <a:endParaRPr lang="en-AU" sz="7200" b="0" cap="none" spc="0" dirty="0">
-              <a:ln w="0"/>
-              <a:solidFill>
-                <a:schemeClr val="accent1"/>
-              </a:solidFill>
-              <a:effectLst>
-                <a:outerShdw blurRad="38100" dist="25400" dir="5400000" algn="ctr" rotWithShape="0">
-                  <a:srgbClr val="6E747A">
-                    <a:alpha val="43000"/>
-                  </a:srgbClr>
-                </a:outerShdw>
-              </a:effectLst>
-            </a:endParaRPr>
-          </a:p>
-        </p:txBody>
-      </p:sp>
     </p:spTree>
     <p:extLst>
       <p:ext uri="{BB962C8B-B14F-4D97-AF65-F5344CB8AC3E}">
-        <p14:creationId xmlns:p14="http://schemas.microsoft.com/office/powerpoint/2010/main" val="1517894859"/>
+        <p14:creationId xmlns:p14="http://schemas.microsoft.com/office/powerpoint/2010/main" val="1301500327"/>
       </p:ext>
     </p:extLst>
   </p:cSld>
   <p:clrMapOvr>
     <a:masterClrMapping/>
   </p:clrMapOvr>
-  <mc:AlternateContent xmlns:mc="http://schemas.openxmlformats.org/markup-compatibility/2006" xmlns:p159="http://schemas.microsoft.com/office/powerpoint/2015/09/main">
-    <mc:Choice Requires="p159">
-      <p:transition xmlns:p14="http://schemas.microsoft.com/office/powerpoint/2010/main" spd="slow" p14:dur="2000" advTm="1000">
+  <mc:AlternateContent xmlns:mc="http://schemas.openxmlformats.org/markup-compatibility/2006">
+    <mc:Choice xmlns:p159="http://schemas.microsoft.com/office/powerpoint/2015/09/main" Requires="p159">
+      <p:transition advTm="500">
         <p159:morph option="byObject"/>
       </p:transition>
     </mc:Choice>
-    <mc:Fallback xmlns="">
-      <p:transition spd="slow" advTm="1000">
+    <mc:Fallback>
+      <p:transition advTm="500">
         <p:fade/>
       </p:transition>
     </mc:Fallback>
@@ -7803,6 +7690,36 @@
       </p:grpSpPr>
       <p:pic>
         <p:nvPicPr>
+          <p:cNvPr id="14" name="Picture 13"/>
+          <p:cNvPicPr>
+            <a:picLocks noChangeAspect="1"/>
+          </p:cNvPicPr>
+          <p:nvPr/>
+        </p:nvPicPr>
+        <p:blipFill>
+          <a:blip r:embed="rId2">
+            <a:extLst>
+              <a:ext uri="{28A0092B-C50C-407E-A947-70E740481C1C}">
+                <a14:useLocalDpi xmlns:a14="http://schemas.microsoft.com/office/drawing/2010/main" val="0"/>
+              </a:ext>
+            </a:extLst>
+          </a:blip>
+          <a:stretch>
+            <a:fillRect/>
+          </a:stretch>
+        </p:blipFill>
+        <p:spPr>
+          <a:xfrm>
+            <a:off x="3553828" y="3434937"/>
+            <a:ext cx="2531852" cy="1301937"/>
+          </a:xfrm>
+          <a:prstGeom prst="rect">
+            <a:avLst/>
+          </a:prstGeom>
+        </p:spPr>
+      </p:pic>
+      <p:pic>
+        <p:nvPicPr>
           <p:cNvPr id="12" name="Picture 11"/>
           <p:cNvPicPr>
             <a:picLocks noChangeAspect="1"/>
@@ -7810,7 +7727,7 @@
           <p:nvPr/>
         </p:nvPicPr>
         <p:blipFill>
-          <a:blip r:embed="rId2">
+          <a:blip r:embed="rId3">
             <a:extLst>
               <a:ext uri="{28A0092B-C50C-407E-A947-70E740481C1C}">
                 <a14:useLocalDpi xmlns:a14="http://schemas.microsoft.com/office/drawing/2010/main" val="0"/>
@@ -7840,7 +7757,7 @@
           <p:nvPr/>
         </p:nvPicPr>
         <p:blipFill>
-          <a:blip r:embed="rId3">
+          <a:blip r:embed="rId4">
             <a:extLst>
               <a:ext uri="{28A0092B-C50C-407E-A947-70E740481C1C}">
                 <a14:useLocalDpi xmlns:a14="http://schemas.microsoft.com/office/drawing/2010/main" val="0"/>
@@ -7870,20 +7787,20 @@
           <p:nvPr/>
         </p:nvPicPr>
         <p:blipFill>
-          <a:blip r:embed="rId4">
-            <a:extLst>
-              <a:ext uri="{28A0092B-C50C-407E-A947-70E740481C1C}">
-                <a14:useLocalDpi xmlns:a14="http://schemas.microsoft.com/office/drawing/2010/main" val="0"/>
-              </a:ext>
-            </a:extLst>
-          </a:blip>
-          <a:stretch>
-            <a:fillRect/>
-          </a:stretch>
-        </p:blipFill>
-        <p:spPr>
-          <a:xfrm>
-            <a:off x="4451993" y="5048666"/>
+          <a:blip r:embed="rId5">
+            <a:extLst>
+              <a:ext uri="{28A0092B-C50C-407E-A947-70E740481C1C}">
+                <a14:useLocalDpi xmlns:a14="http://schemas.microsoft.com/office/drawing/2010/main" val="0"/>
+              </a:ext>
+            </a:extLst>
+          </a:blip>
+          <a:stretch>
+            <a:fillRect/>
+          </a:stretch>
+        </p:blipFill>
+        <p:spPr>
+          <a:xfrm>
+            <a:off x="4451993" y="4456002"/>
             <a:ext cx="1270000" cy="1651000"/>
           </a:xfrm>
           <a:prstGeom prst="rect">
@@ -7900,7 +7817,7 @@
           <p:nvPr/>
         </p:nvPicPr>
         <p:blipFill>
-          <a:blip r:embed="rId5">
+          <a:blip r:embed="rId6">
             <a:extLst>
               <a:ext uri="{28A0092B-C50C-407E-A947-70E740481C1C}">
                 <a14:useLocalDpi xmlns:a14="http://schemas.microsoft.com/office/drawing/2010/main" val="0"/>
@@ -7930,20 +7847,20 @@
           <p:nvPr/>
         </p:nvPicPr>
         <p:blipFill>
-          <a:blip r:embed="rId6">
-            <a:extLst>
-              <a:ext uri="{28A0092B-C50C-407E-A947-70E740481C1C}">
-                <a14:useLocalDpi xmlns:a14="http://schemas.microsoft.com/office/drawing/2010/main" val="0"/>
-              </a:ext>
-            </a:extLst>
-          </a:blip>
-          <a:stretch>
-            <a:fillRect/>
-          </a:stretch>
-        </p:blipFill>
-        <p:spPr>
-          <a:xfrm>
-            <a:off x="7595817" y="4456002"/>
+          <a:blip r:embed="rId7">
+            <a:extLst>
+              <a:ext uri="{28A0092B-C50C-407E-A947-70E740481C1C}">
+                <a14:useLocalDpi xmlns:a14="http://schemas.microsoft.com/office/drawing/2010/main" val="0"/>
+              </a:ext>
+            </a:extLst>
+          </a:blip>
+          <a:stretch>
+            <a:fillRect/>
+          </a:stretch>
+        </p:blipFill>
+        <p:spPr>
+          <a:xfrm>
+            <a:off x="7595817" y="5048666"/>
             <a:ext cx="1270000" cy="1651000"/>
           </a:xfrm>
           <a:prstGeom prst="rect">
@@ -7960,7 +7877,7 @@
           <p:nvPr/>
         </p:nvPicPr>
         <p:blipFill>
-          <a:blip r:embed="rId7">
+          <a:blip r:embed="rId8">
             <a:extLst>
               <a:ext uri="{28A0092B-C50C-407E-A947-70E740481C1C}">
                 <a14:useLocalDpi xmlns:a14="http://schemas.microsoft.com/office/drawing/2010/main" val="0"/>
@@ -7981,39 +7898,9 @@
           </a:prstGeom>
         </p:spPr>
       </p:pic>
-      <p:pic>
-        <p:nvPicPr>
-          <p:cNvPr id="9" name="Picture 8"/>
-          <p:cNvPicPr>
-            <a:picLocks noChangeAspect="1"/>
-          </p:cNvPicPr>
-          <p:nvPr/>
-        </p:nvPicPr>
-        <p:blipFill>
-          <a:blip r:embed="rId8">
-            <a:extLst>
-              <a:ext uri="{28A0092B-C50C-407E-A947-70E740481C1C}">
-                <a14:useLocalDpi xmlns:a14="http://schemas.microsoft.com/office/drawing/2010/main" val="0"/>
-              </a:ext>
-            </a:extLst>
-          </a:blip>
-          <a:stretch>
-            <a:fillRect/>
-          </a:stretch>
-        </p:blipFill>
-        <p:spPr>
-          <a:xfrm>
-            <a:off x="6288250" y="3280298"/>
-            <a:ext cx="2531852" cy="1301937"/>
-          </a:xfrm>
-          <a:prstGeom prst="rect">
-            <a:avLst/>
-          </a:prstGeom>
-        </p:spPr>
-      </p:pic>
       <p:sp>
         <p:nvSpPr>
-          <p:cNvPr id="10" name="Rectangle 9"/>
+          <p:cNvPr id="9" name="Rectangle 8"/>
           <p:cNvSpPr/>
           <p:nvPr/>
         </p:nvSpPr>
@@ -8069,21 +7956,21 @@
     </p:spTree>
     <p:extLst>
       <p:ext uri="{BB962C8B-B14F-4D97-AF65-F5344CB8AC3E}">
-        <p14:creationId xmlns:p14="http://schemas.microsoft.com/office/powerpoint/2010/main" val="1971767237"/>
+        <p14:creationId xmlns:p14="http://schemas.microsoft.com/office/powerpoint/2010/main" val="2095381117"/>
       </p:ext>
     </p:extLst>
   </p:cSld>
   <p:clrMapOvr>
     <a:masterClrMapping/>
   </p:clrMapOvr>
-  <mc:AlternateContent xmlns:mc="http://schemas.openxmlformats.org/markup-compatibility/2006" xmlns:p159="http://schemas.microsoft.com/office/powerpoint/2015/09/main">
-    <mc:Choice Requires="p159">
-      <p:transition xmlns:p14="http://schemas.microsoft.com/office/powerpoint/2010/main" spd="slow" p14:dur="2000" advTm="2112">
+  <mc:AlternateContent xmlns:mc="http://schemas.openxmlformats.org/markup-compatibility/2006">
+    <mc:Choice xmlns:p159="http://schemas.microsoft.com/office/powerpoint/2015/09/main" Requires="p159">
+      <p:transition advTm="500">
         <p159:morph option="byObject"/>
       </p:transition>
     </mc:Choice>
-    <mc:Fallback xmlns="">
-      <p:transition spd="slow" advTm="2112">
+    <mc:Fallback>
+      <p:transition advTm="500">
         <p:fade/>
       </p:transition>
     </mc:Fallback>
@@ -8099,6 +7986,1152 @@
 </file>
 
 <file path=ppt/slides/slide23.xml><?xml version="1.0" encoding="utf-8"?>
+<p:sld xmlns:a="http://schemas.openxmlformats.org/drawingml/2006/main" xmlns:r="http://schemas.openxmlformats.org/officeDocument/2006/relationships" xmlns:p="http://schemas.openxmlformats.org/presentationml/2006/main">
+  <p:cSld>
+    <p:spTree>
+      <p:nvGrpSpPr>
+        <p:cNvPr id="1" name=""/>
+        <p:cNvGrpSpPr/>
+        <p:nvPr/>
+      </p:nvGrpSpPr>
+      <p:grpSpPr>
+        <a:xfrm>
+          <a:off x="0" y="0"/>
+          <a:ext cx="0" cy="0"/>
+          <a:chOff x="0" y="0"/>
+          <a:chExt cx="0" cy="0"/>
+        </a:xfrm>
+      </p:grpSpPr>
+      <p:pic>
+        <p:nvPicPr>
+          <p:cNvPr id="14" name="Picture 13"/>
+          <p:cNvPicPr>
+            <a:picLocks noChangeAspect="1"/>
+          </p:cNvPicPr>
+          <p:nvPr/>
+        </p:nvPicPr>
+        <p:blipFill>
+          <a:blip r:embed="rId2">
+            <a:extLst>
+              <a:ext uri="{28A0092B-C50C-407E-A947-70E740481C1C}">
+                <a14:useLocalDpi xmlns:a14="http://schemas.microsoft.com/office/drawing/2010/main" val="0"/>
+              </a:ext>
+            </a:extLst>
+          </a:blip>
+          <a:stretch>
+            <a:fillRect/>
+          </a:stretch>
+        </p:blipFill>
+        <p:spPr>
+          <a:xfrm>
+            <a:off x="4988074" y="3434937"/>
+            <a:ext cx="2531852" cy="1301937"/>
+          </a:xfrm>
+          <a:prstGeom prst="rect">
+            <a:avLst/>
+          </a:prstGeom>
+        </p:spPr>
+      </p:pic>
+      <p:pic>
+        <p:nvPicPr>
+          <p:cNvPr id="12" name="Picture 11"/>
+          <p:cNvPicPr>
+            <a:picLocks noChangeAspect="1"/>
+          </p:cNvPicPr>
+          <p:nvPr/>
+        </p:nvPicPr>
+        <p:blipFill>
+          <a:blip r:embed="rId3">
+            <a:extLst>
+              <a:ext uri="{28A0092B-C50C-407E-A947-70E740481C1C}">
+                <a14:useLocalDpi xmlns:a14="http://schemas.microsoft.com/office/drawing/2010/main" val="0"/>
+              </a:ext>
+            </a:extLst>
+          </a:blip>
+          <a:stretch>
+            <a:fillRect/>
+          </a:stretch>
+        </p:blipFill>
+        <p:spPr>
+          <a:xfrm>
+            <a:off x="3807457" y="-576470"/>
+            <a:ext cx="4376945" cy="4376945"/>
+          </a:xfrm>
+          <a:prstGeom prst="rect">
+            <a:avLst/>
+          </a:prstGeom>
+        </p:spPr>
+      </p:pic>
+      <p:pic>
+        <p:nvPicPr>
+          <p:cNvPr id="15" name="Picture 14"/>
+          <p:cNvPicPr>
+            <a:picLocks noChangeAspect="1"/>
+          </p:cNvPicPr>
+          <p:nvPr/>
+        </p:nvPicPr>
+        <p:blipFill>
+          <a:blip r:embed="rId4">
+            <a:extLst>
+              <a:ext uri="{28A0092B-C50C-407E-A947-70E740481C1C}">
+                <a14:useLocalDpi xmlns:a14="http://schemas.microsoft.com/office/drawing/2010/main" val="0"/>
+              </a:ext>
+            </a:extLst>
+          </a:blip>
+          <a:stretch>
+            <a:fillRect/>
+          </a:stretch>
+        </p:blipFill>
+        <p:spPr>
+          <a:xfrm>
+            <a:off x="7788425" y="614519"/>
+            <a:ext cx="1478711" cy="1478711"/>
+          </a:xfrm>
+          <a:prstGeom prst="rect">
+            <a:avLst/>
+          </a:prstGeom>
+        </p:spPr>
+      </p:pic>
+      <p:pic>
+        <p:nvPicPr>
+          <p:cNvPr id="17" name="Picture 16"/>
+          <p:cNvPicPr>
+            <a:picLocks noChangeAspect="1"/>
+          </p:cNvPicPr>
+          <p:nvPr/>
+        </p:nvPicPr>
+        <p:blipFill>
+          <a:blip r:embed="rId5">
+            <a:extLst>
+              <a:ext uri="{28A0092B-C50C-407E-A947-70E740481C1C}">
+                <a14:useLocalDpi xmlns:a14="http://schemas.microsoft.com/office/drawing/2010/main" val="0"/>
+              </a:ext>
+            </a:extLst>
+          </a:blip>
+          <a:stretch>
+            <a:fillRect/>
+          </a:stretch>
+        </p:blipFill>
+        <p:spPr>
+          <a:xfrm>
+            <a:off x="4451993" y="5048666"/>
+            <a:ext cx="1270000" cy="1651000"/>
+          </a:xfrm>
+          <a:prstGeom prst="rect">
+            <a:avLst/>
+          </a:prstGeom>
+        </p:spPr>
+      </p:pic>
+      <p:pic>
+        <p:nvPicPr>
+          <p:cNvPr id="18" name="Picture 17"/>
+          <p:cNvPicPr>
+            <a:picLocks noChangeAspect="1"/>
+          </p:cNvPicPr>
+          <p:nvPr/>
+        </p:nvPicPr>
+        <p:blipFill>
+          <a:blip r:embed="rId6">
+            <a:extLst>
+              <a:ext uri="{28A0092B-C50C-407E-A947-70E740481C1C}">
+                <a14:useLocalDpi xmlns:a14="http://schemas.microsoft.com/office/drawing/2010/main" val="0"/>
+              </a:ext>
+            </a:extLst>
+          </a:blip>
+          <a:stretch>
+            <a:fillRect/>
+          </a:stretch>
+        </p:blipFill>
+        <p:spPr>
+          <a:xfrm>
+            <a:off x="5995929" y="4456002"/>
+            <a:ext cx="1270000" cy="1651000"/>
+          </a:xfrm>
+          <a:prstGeom prst="rect">
+            <a:avLst/>
+          </a:prstGeom>
+        </p:spPr>
+      </p:pic>
+      <p:pic>
+        <p:nvPicPr>
+          <p:cNvPr id="21" name="Picture 20"/>
+          <p:cNvPicPr>
+            <a:picLocks noChangeAspect="1"/>
+          </p:cNvPicPr>
+          <p:nvPr/>
+        </p:nvPicPr>
+        <p:blipFill>
+          <a:blip r:embed="rId7">
+            <a:extLst>
+              <a:ext uri="{28A0092B-C50C-407E-A947-70E740481C1C}">
+                <a14:useLocalDpi xmlns:a14="http://schemas.microsoft.com/office/drawing/2010/main" val="0"/>
+              </a:ext>
+            </a:extLst>
+          </a:blip>
+          <a:stretch>
+            <a:fillRect/>
+          </a:stretch>
+        </p:blipFill>
+        <p:spPr>
+          <a:xfrm>
+            <a:off x="7595817" y="5048666"/>
+            <a:ext cx="1270000" cy="1651000"/>
+          </a:xfrm>
+          <a:prstGeom prst="rect">
+            <a:avLst/>
+          </a:prstGeom>
+        </p:spPr>
+      </p:pic>
+      <p:pic>
+        <p:nvPicPr>
+          <p:cNvPr id="22" name="Picture 21"/>
+          <p:cNvPicPr>
+            <a:picLocks noChangeAspect="1"/>
+          </p:cNvPicPr>
+          <p:nvPr/>
+        </p:nvPicPr>
+        <p:blipFill>
+          <a:blip r:embed="rId8">
+            <a:extLst>
+              <a:ext uri="{28A0092B-C50C-407E-A947-70E740481C1C}">
+                <a14:useLocalDpi xmlns:a14="http://schemas.microsoft.com/office/drawing/2010/main" val="0"/>
+              </a:ext>
+            </a:extLst>
+          </a:blip>
+          <a:stretch>
+            <a:fillRect/>
+          </a:stretch>
+        </p:blipFill>
+        <p:spPr>
+          <a:xfrm>
+            <a:off x="2924865" y="5048666"/>
+            <a:ext cx="1270000" cy="1651000"/>
+          </a:xfrm>
+          <a:prstGeom prst="rect">
+            <a:avLst/>
+          </a:prstGeom>
+        </p:spPr>
+      </p:pic>
+    </p:spTree>
+    <p:extLst>
+      <p:ext uri="{BB962C8B-B14F-4D97-AF65-F5344CB8AC3E}">
+        <p14:creationId xmlns:p14="http://schemas.microsoft.com/office/powerpoint/2010/main" val="1517894859"/>
+      </p:ext>
+    </p:extLst>
+  </p:cSld>
+  <p:clrMapOvr>
+    <a:masterClrMapping/>
+  </p:clrMapOvr>
+  <mc:AlternateContent xmlns:mc="http://schemas.openxmlformats.org/markup-compatibility/2006">
+    <mc:Choice xmlns:p159="http://schemas.microsoft.com/office/powerpoint/2015/09/main" Requires="p159">
+      <p:transition advTm="500">
+        <p159:morph option="byObject"/>
+      </p:transition>
+    </mc:Choice>
+    <mc:Fallback>
+      <p:transition advTm="500">
+        <p:fade/>
+      </p:transition>
+    </mc:Fallback>
+  </mc:AlternateContent>
+  <p:timing>
+    <p:tnLst>
+      <p:par>
+        <p:cTn id="1" dur="indefinite" restart="never" nodeType="tmRoot"/>
+      </p:par>
+    </p:tnLst>
+  </p:timing>
+</p:sld>
+</file>
+
+<file path=ppt/slides/slide24.xml><?xml version="1.0" encoding="utf-8"?>
+<p:sld xmlns:a="http://schemas.openxmlformats.org/drawingml/2006/main" xmlns:r="http://schemas.openxmlformats.org/officeDocument/2006/relationships" xmlns:p="http://schemas.openxmlformats.org/presentationml/2006/main">
+  <p:cSld>
+    <p:spTree>
+      <p:nvGrpSpPr>
+        <p:cNvPr id="1" name=""/>
+        <p:cNvGrpSpPr/>
+        <p:nvPr/>
+      </p:nvGrpSpPr>
+      <p:grpSpPr>
+        <a:xfrm>
+          <a:off x="0" y="0"/>
+          <a:ext cx="0" cy="0"/>
+          <a:chOff x="0" y="0"/>
+          <a:chExt cx="0" cy="0"/>
+        </a:xfrm>
+      </p:grpSpPr>
+      <p:pic>
+        <p:nvPicPr>
+          <p:cNvPr id="14" name="Picture 13"/>
+          <p:cNvPicPr>
+            <a:picLocks noChangeAspect="1"/>
+          </p:cNvPicPr>
+          <p:nvPr/>
+        </p:nvPicPr>
+        <p:blipFill>
+          <a:blip r:embed="rId2">
+            <a:extLst>
+              <a:ext uri="{28A0092B-C50C-407E-A947-70E740481C1C}">
+                <a14:useLocalDpi xmlns:a14="http://schemas.microsoft.com/office/drawing/2010/main" val="0"/>
+              </a:ext>
+            </a:extLst>
+          </a:blip>
+          <a:stretch>
+            <a:fillRect/>
+          </a:stretch>
+        </p:blipFill>
+        <p:spPr>
+          <a:xfrm>
+            <a:off x="4988074" y="3434937"/>
+            <a:ext cx="2531852" cy="1301937"/>
+          </a:xfrm>
+          <a:prstGeom prst="rect">
+            <a:avLst/>
+          </a:prstGeom>
+        </p:spPr>
+      </p:pic>
+      <p:pic>
+        <p:nvPicPr>
+          <p:cNvPr id="12" name="Picture 11"/>
+          <p:cNvPicPr>
+            <a:picLocks noChangeAspect="1"/>
+          </p:cNvPicPr>
+          <p:nvPr/>
+        </p:nvPicPr>
+        <p:blipFill>
+          <a:blip r:embed="rId3">
+            <a:extLst>
+              <a:ext uri="{28A0092B-C50C-407E-A947-70E740481C1C}">
+                <a14:useLocalDpi xmlns:a14="http://schemas.microsoft.com/office/drawing/2010/main" val="0"/>
+              </a:ext>
+            </a:extLst>
+          </a:blip>
+          <a:stretch>
+            <a:fillRect/>
+          </a:stretch>
+        </p:blipFill>
+        <p:spPr>
+          <a:xfrm>
+            <a:off x="3807457" y="-576470"/>
+            <a:ext cx="4376945" cy="4376945"/>
+          </a:xfrm>
+          <a:prstGeom prst="rect">
+            <a:avLst/>
+          </a:prstGeom>
+        </p:spPr>
+      </p:pic>
+      <p:pic>
+        <p:nvPicPr>
+          <p:cNvPr id="15" name="Picture 14"/>
+          <p:cNvPicPr>
+            <a:picLocks noChangeAspect="1"/>
+          </p:cNvPicPr>
+          <p:nvPr/>
+        </p:nvPicPr>
+        <p:blipFill>
+          <a:blip r:embed="rId4">
+            <a:extLst>
+              <a:ext uri="{28A0092B-C50C-407E-A947-70E740481C1C}">
+                <a14:useLocalDpi xmlns:a14="http://schemas.microsoft.com/office/drawing/2010/main" val="0"/>
+              </a:ext>
+            </a:extLst>
+          </a:blip>
+          <a:stretch>
+            <a:fillRect/>
+          </a:stretch>
+        </p:blipFill>
+        <p:spPr>
+          <a:xfrm>
+            <a:off x="7788425" y="614519"/>
+            <a:ext cx="1478711" cy="1478711"/>
+          </a:xfrm>
+          <a:prstGeom prst="rect">
+            <a:avLst/>
+          </a:prstGeom>
+        </p:spPr>
+      </p:pic>
+      <p:pic>
+        <p:nvPicPr>
+          <p:cNvPr id="17" name="Picture 16"/>
+          <p:cNvPicPr>
+            <a:picLocks noChangeAspect="1"/>
+          </p:cNvPicPr>
+          <p:nvPr/>
+        </p:nvPicPr>
+        <p:blipFill>
+          <a:blip r:embed="rId5">
+            <a:extLst>
+              <a:ext uri="{28A0092B-C50C-407E-A947-70E740481C1C}">
+                <a14:useLocalDpi xmlns:a14="http://schemas.microsoft.com/office/drawing/2010/main" val="0"/>
+              </a:ext>
+            </a:extLst>
+          </a:blip>
+          <a:stretch>
+            <a:fillRect/>
+          </a:stretch>
+        </p:blipFill>
+        <p:spPr>
+          <a:xfrm>
+            <a:off x="4451993" y="5048666"/>
+            <a:ext cx="1270000" cy="1651000"/>
+          </a:xfrm>
+          <a:prstGeom prst="rect">
+            <a:avLst/>
+          </a:prstGeom>
+        </p:spPr>
+      </p:pic>
+      <p:pic>
+        <p:nvPicPr>
+          <p:cNvPr id="18" name="Picture 17"/>
+          <p:cNvPicPr>
+            <a:picLocks noChangeAspect="1"/>
+          </p:cNvPicPr>
+          <p:nvPr/>
+        </p:nvPicPr>
+        <p:blipFill>
+          <a:blip r:embed="rId6">
+            <a:extLst>
+              <a:ext uri="{28A0092B-C50C-407E-A947-70E740481C1C}">
+                <a14:useLocalDpi xmlns:a14="http://schemas.microsoft.com/office/drawing/2010/main" val="0"/>
+              </a:ext>
+            </a:extLst>
+          </a:blip>
+          <a:stretch>
+            <a:fillRect/>
+          </a:stretch>
+        </p:blipFill>
+        <p:spPr>
+          <a:xfrm>
+            <a:off x="5995929" y="4456002"/>
+            <a:ext cx="1270000" cy="1651000"/>
+          </a:xfrm>
+          <a:prstGeom prst="rect">
+            <a:avLst/>
+          </a:prstGeom>
+        </p:spPr>
+      </p:pic>
+      <p:pic>
+        <p:nvPicPr>
+          <p:cNvPr id="21" name="Picture 20"/>
+          <p:cNvPicPr>
+            <a:picLocks noChangeAspect="1"/>
+          </p:cNvPicPr>
+          <p:nvPr/>
+        </p:nvPicPr>
+        <p:blipFill>
+          <a:blip r:embed="rId7">
+            <a:extLst>
+              <a:ext uri="{28A0092B-C50C-407E-A947-70E740481C1C}">
+                <a14:useLocalDpi xmlns:a14="http://schemas.microsoft.com/office/drawing/2010/main" val="0"/>
+              </a:ext>
+            </a:extLst>
+          </a:blip>
+          <a:stretch>
+            <a:fillRect/>
+          </a:stretch>
+        </p:blipFill>
+        <p:spPr>
+          <a:xfrm>
+            <a:off x="7595817" y="5048666"/>
+            <a:ext cx="1270000" cy="1651000"/>
+          </a:xfrm>
+          <a:prstGeom prst="rect">
+            <a:avLst/>
+          </a:prstGeom>
+        </p:spPr>
+      </p:pic>
+      <p:pic>
+        <p:nvPicPr>
+          <p:cNvPr id="22" name="Picture 21"/>
+          <p:cNvPicPr>
+            <a:picLocks noChangeAspect="1"/>
+          </p:cNvPicPr>
+          <p:nvPr/>
+        </p:nvPicPr>
+        <p:blipFill>
+          <a:blip r:embed="rId8">
+            <a:extLst>
+              <a:ext uri="{28A0092B-C50C-407E-A947-70E740481C1C}">
+                <a14:useLocalDpi xmlns:a14="http://schemas.microsoft.com/office/drawing/2010/main" val="0"/>
+              </a:ext>
+            </a:extLst>
+          </a:blip>
+          <a:stretch>
+            <a:fillRect/>
+          </a:stretch>
+        </p:blipFill>
+        <p:spPr>
+          <a:xfrm>
+            <a:off x="2924865" y="5048666"/>
+            <a:ext cx="1270000" cy="1651000"/>
+          </a:xfrm>
+          <a:prstGeom prst="rect">
+            <a:avLst/>
+          </a:prstGeom>
+        </p:spPr>
+      </p:pic>
+      <p:sp>
+        <p:nvSpPr>
+          <p:cNvPr id="9" name="Rectangle 8"/>
+          <p:cNvSpPr/>
+          <p:nvPr/>
+        </p:nvSpPr>
+        <p:spPr>
+          <a:xfrm>
+            <a:off x="8081185" y="2023522"/>
+            <a:ext cx="893193" cy="1323439"/>
+          </a:xfrm>
+          <a:prstGeom prst="rect">
+            <a:avLst/>
+          </a:prstGeom>
+          <a:noFill/>
+        </p:spPr>
+        <p:txBody>
+          <a:bodyPr wrap="none" lIns="91440" tIns="45720" rIns="91440" bIns="45720">
+            <a:spAutoFit/>
+          </a:bodyPr>
+          <a:lstStyle/>
+          <a:p>
+            <a:pPr algn="ctr"/>
+            <a:r>
+              <a:rPr lang="mr-IN" sz="8000" dirty="0" smtClean="0">
+                <a:ln w="0"/>
+                <a:solidFill>
+                  <a:schemeClr val="accent1"/>
+                </a:solidFill>
+                <a:effectLst>
+                  <a:outerShdw blurRad="38100" dist="25400" dir="5400000" algn="ctr" rotWithShape="0">
+                    <a:srgbClr val="6E747A">
+                      <a:alpha val="43000"/>
+                    </a:srgbClr>
+                  </a:outerShdw>
+                </a:effectLst>
+              </a:rPr>
+              <a:t>…</a:t>
+            </a:r>
+            <a:endParaRPr lang="en-AU" sz="7200" b="0" cap="none" spc="0" dirty="0">
+              <a:ln w="0"/>
+              <a:solidFill>
+                <a:schemeClr val="accent1"/>
+              </a:solidFill>
+              <a:effectLst>
+                <a:outerShdw blurRad="38100" dist="25400" dir="5400000" algn="ctr" rotWithShape="0">
+                  <a:srgbClr val="6E747A">
+                    <a:alpha val="43000"/>
+                  </a:srgbClr>
+                </a:outerShdw>
+              </a:effectLst>
+            </a:endParaRPr>
+          </a:p>
+        </p:txBody>
+      </p:sp>
+    </p:spTree>
+    <p:extLst>
+      <p:ext uri="{BB962C8B-B14F-4D97-AF65-F5344CB8AC3E}">
+        <p14:creationId xmlns:p14="http://schemas.microsoft.com/office/powerpoint/2010/main" val="2138887940"/>
+      </p:ext>
+    </p:extLst>
+  </p:cSld>
+  <p:clrMapOvr>
+    <a:masterClrMapping/>
+  </p:clrMapOvr>
+  <mc:AlternateContent xmlns:mc="http://schemas.openxmlformats.org/markup-compatibility/2006">
+    <mc:Choice xmlns:p159="http://schemas.microsoft.com/office/powerpoint/2015/09/main" Requires="p159">
+      <p:transition advTm="500">
+        <p159:morph option="byObject"/>
+      </p:transition>
+    </mc:Choice>
+    <mc:Fallback>
+      <p:transition advTm="500">
+        <p:fade/>
+      </p:transition>
+    </mc:Fallback>
+  </mc:AlternateContent>
+  <p:timing>
+    <p:tnLst>
+      <p:par>
+        <p:cTn id="1" dur="indefinite" restart="never" nodeType="tmRoot"/>
+      </p:par>
+    </p:tnLst>
+  </p:timing>
+</p:sld>
+</file>
+
+<file path=ppt/slides/slide25.xml><?xml version="1.0" encoding="utf-8"?>
+<p:sld xmlns:a="http://schemas.openxmlformats.org/drawingml/2006/main" xmlns:r="http://schemas.openxmlformats.org/officeDocument/2006/relationships" xmlns:p="http://schemas.openxmlformats.org/presentationml/2006/main">
+  <p:cSld>
+    <p:spTree>
+      <p:nvGrpSpPr>
+        <p:cNvPr id="1" name=""/>
+        <p:cNvGrpSpPr/>
+        <p:nvPr/>
+      </p:nvGrpSpPr>
+      <p:grpSpPr>
+        <a:xfrm>
+          <a:off x="0" y="0"/>
+          <a:ext cx="0" cy="0"/>
+          <a:chOff x="0" y="0"/>
+          <a:chExt cx="0" cy="0"/>
+        </a:xfrm>
+      </p:grpSpPr>
+      <p:pic>
+        <p:nvPicPr>
+          <p:cNvPr id="12" name="Picture 11"/>
+          <p:cNvPicPr>
+            <a:picLocks noChangeAspect="1"/>
+          </p:cNvPicPr>
+          <p:nvPr/>
+        </p:nvPicPr>
+        <p:blipFill>
+          <a:blip r:embed="rId2">
+            <a:extLst>
+              <a:ext uri="{28A0092B-C50C-407E-A947-70E740481C1C}">
+                <a14:useLocalDpi xmlns:a14="http://schemas.microsoft.com/office/drawing/2010/main" val="0"/>
+              </a:ext>
+            </a:extLst>
+          </a:blip>
+          <a:stretch>
+            <a:fillRect/>
+          </a:stretch>
+        </p:blipFill>
+        <p:spPr>
+          <a:xfrm>
+            <a:off x="3807457" y="-576470"/>
+            <a:ext cx="4376945" cy="4376945"/>
+          </a:xfrm>
+          <a:prstGeom prst="rect">
+            <a:avLst/>
+          </a:prstGeom>
+        </p:spPr>
+      </p:pic>
+      <p:pic>
+        <p:nvPicPr>
+          <p:cNvPr id="15" name="Picture 14"/>
+          <p:cNvPicPr>
+            <a:picLocks noChangeAspect="1"/>
+          </p:cNvPicPr>
+          <p:nvPr/>
+        </p:nvPicPr>
+        <p:blipFill>
+          <a:blip r:embed="rId3">
+            <a:extLst>
+              <a:ext uri="{28A0092B-C50C-407E-A947-70E740481C1C}">
+                <a14:useLocalDpi xmlns:a14="http://schemas.microsoft.com/office/drawing/2010/main" val="0"/>
+              </a:ext>
+            </a:extLst>
+          </a:blip>
+          <a:stretch>
+            <a:fillRect/>
+          </a:stretch>
+        </p:blipFill>
+        <p:spPr>
+          <a:xfrm>
+            <a:off x="7788425" y="614519"/>
+            <a:ext cx="1478711" cy="1478711"/>
+          </a:xfrm>
+          <a:prstGeom prst="rect">
+            <a:avLst/>
+          </a:prstGeom>
+        </p:spPr>
+      </p:pic>
+      <p:pic>
+        <p:nvPicPr>
+          <p:cNvPr id="17" name="Picture 16"/>
+          <p:cNvPicPr>
+            <a:picLocks noChangeAspect="1"/>
+          </p:cNvPicPr>
+          <p:nvPr/>
+        </p:nvPicPr>
+        <p:blipFill>
+          <a:blip r:embed="rId4">
+            <a:extLst>
+              <a:ext uri="{28A0092B-C50C-407E-A947-70E740481C1C}">
+                <a14:useLocalDpi xmlns:a14="http://schemas.microsoft.com/office/drawing/2010/main" val="0"/>
+              </a:ext>
+            </a:extLst>
+          </a:blip>
+          <a:stretch>
+            <a:fillRect/>
+          </a:stretch>
+        </p:blipFill>
+        <p:spPr>
+          <a:xfrm>
+            <a:off x="4451993" y="5048666"/>
+            <a:ext cx="1270000" cy="1651000"/>
+          </a:xfrm>
+          <a:prstGeom prst="rect">
+            <a:avLst/>
+          </a:prstGeom>
+        </p:spPr>
+      </p:pic>
+      <p:pic>
+        <p:nvPicPr>
+          <p:cNvPr id="18" name="Picture 17"/>
+          <p:cNvPicPr>
+            <a:picLocks noChangeAspect="1"/>
+          </p:cNvPicPr>
+          <p:nvPr/>
+        </p:nvPicPr>
+        <p:blipFill>
+          <a:blip r:embed="rId5">
+            <a:extLst>
+              <a:ext uri="{28A0092B-C50C-407E-A947-70E740481C1C}">
+                <a14:useLocalDpi xmlns:a14="http://schemas.microsoft.com/office/drawing/2010/main" val="0"/>
+              </a:ext>
+            </a:extLst>
+          </a:blip>
+          <a:stretch>
+            <a:fillRect/>
+          </a:stretch>
+        </p:blipFill>
+        <p:spPr>
+          <a:xfrm>
+            <a:off x="5995929" y="5048666"/>
+            <a:ext cx="1270000" cy="1651000"/>
+          </a:xfrm>
+          <a:prstGeom prst="rect">
+            <a:avLst/>
+          </a:prstGeom>
+        </p:spPr>
+      </p:pic>
+      <p:pic>
+        <p:nvPicPr>
+          <p:cNvPr id="21" name="Picture 20"/>
+          <p:cNvPicPr>
+            <a:picLocks noChangeAspect="1"/>
+          </p:cNvPicPr>
+          <p:nvPr/>
+        </p:nvPicPr>
+        <p:blipFill>
+          <a:blip r:embed="rId6">
+            <a:extLst>
+              <a:ext uri="{28A0092B-C50C-407E-A947-70E740481C1C}">
+                <a14:useLocalDpi xmlns:a14="http://schemas.microsoft.com/office/drawing/2010/main" val="0"/>
+              </a:ext>
+            </a:extLst>
+          </a:blip>
+          <a:stretch>
+            <a:fillRect/>
+          </a:stretch>
+        </p:blipFill>
+        <p:spPr>
+          <a:xfrm>
+            <a:off x="7595817" y="4456002"/>
+            <a:ext cx="1270000" cy="1651000"/>
+          </a:xfrm>
+          <a:prstGeom prst="rect">
+            <a:avLst/>
+          </a:prstGeom>
+        </p:spPr>
+      </p:pic>
+      <p:pic>
+        <p:nvPicPr>
+          <p:cNvPr id="22" name="Picture 21"/>
+          <p:cNvPicPr>
+            <a:picLocks noChangeAspect="1"/>
+          </p:cNvPicPr>
+          <p:nvPr/>
+        </p:nvPicPr>
+        <p:blipFill>
+          <a:blip r:embed="rId7">
+            <a:extLst>
+              <a:ext uri="{28A0092B-C50C-407E-A947-70E740481C1C}">
+                <a14:useLocalDpi xmlns:a14="http://schemas.microsoft.com/office/drawing/2010/main" val="0"/>
+              </a:ext>
+            </a:extLst>
+          </a:blip>
+          <a:stretch>
+            <a:fillRect/>
+          </a:stretch>
+        </p:blipFill>
+        <p:spPr>
+          <a:xfrm>
+            <a:off x="2924865" y="5048666"/>
+            <a:ext cx="1270000" cy="1651000"/>
+          </a:xfrm>
+          <a:prstGeom prst="rect">
+            <a:avLst/>
+          </a:prstGeom>
+        </p:spPr>
+      </p:pic>
+      <p:pic>
+        <p:nvPicPr>
+          <p:cNvPr id="9" name="Picture 8"/>
+          <p:cNvPicPr>
+            <a:picLocks noChangeAspect="1"/>
+          </p:cNvPicPr>
+          <p:nvPr/>
+        </p:nvPicPr>
+        <p:blipFill>
+          <a:blip r:embed="rId8">
+            <a:extLst>
+              <a:ext uri="{28A0092B-C50C-407E-A947-70E740481C1C}">
+                <a14:useLocalDpi xmlns:a14="http://schemas.microsoft.com/office/drawing/2010/main" val="0"/>
+              </a:ext>
+            </a:extLst>
+          </a:blip>
+          <a:stretch>
+            <a:fillRect/>
+          </a:stretch>
+        </p:blipFill>
+        <p:spPr>
+          <a:xfrm>
+            <a:off x="6288250" y="3280298"/>
+            <a:ext cx="2531852" cy="1301937"/>
+          </a:xfrm>
+          <a:prstGeom prst="rect">
+            <a:avLst/>
+          </a:prstGeom>
+        </p:spPr>
+      </p:pic>
+    </p:spTree>
+    <p:extLst>
+      <p:ext uri="{BB962C8B-B14F-4D97-AF65-F5344CB8AC3E}">
+        <p14:creationId xmlns:p14="http://schemas.microsoft.com/office/powerpoint/2010/main" val="1971767237"/>
+      </p:ext>
+    </p:extLst>
+  </p:cSld>
+  <p:clrMapOvr>
+    <a:masterClrMapping/>
+  </p:clrMapOvr>
+  <mc:AlternateContent xmlns:mc="http://schemas.openxmlformats.org/markup-compatibility/2006">
+    <mc:Choice xmlns:p159="http://schemas.microsoft.com/office/powerpoint/2015/09/main" Requires="p159">
+      <p:transition advTm="500">
+        <p159:morph option="byObject"/>
+      </p:transition>
+    </mc:Choice>
+    <mc:Fallback>
+      <p:transition advTm="500">
+        <p:fade/>
+      </p:transition>
+    </mc:Fallback>
+  </mc:AlternateContent>
+  <p:timing>
+    <p:tnLst>
+      <p:par>
+        <p:cTn id="1" dur="indefinite" restart="never" nodeType="tmRoot"/>
+      </p:par>
+    </p:tnLst>
+  </p:timing>
+</p:sld>
+</file>
+
+<file path=ppt/slides/slide26.xml><?xml version="1.0" encoding="utf-8"?>
+<p:sld xmlns:a="http://schemas.openxmlformats.org/drawingml/2006/main" xmlns:r="http://schemas.openxmlformats.org/officeDocument/2006/relationships" xmlns:p="http://schemas.openxmlformats.org/presentationml/2006/main">
+  <p:cSld>
+    <p:spTree>
+      <p:nvGrpSpPr>
+        <p:cNvPr id="1" name=""/>
+        <p:cNvGrpSpPr/>
+        <p:nvPr/>
+      </p:nvGrpSpPr>
+      <p:grpSpPr>
+        <a:xfrm>
+          <a:off x="0" y="0"/>
+          <a:ext cx="0" cy="0"/>
+          <a:chOff x="0" y="0"/>
+          <a:chExt cx="0" cy="0"/>
+        </a:xfrm>
+      </p:grpSpPr>
+      <p:pic>
+        <p:nvPicPr>
+          <p:cNvPr id="12" name="Picture 11"/>
+          <p:cNvPicPr>
+            <a:picLocks noChangeAspect="1"/>
+          </p:cNvPicPr>
+          <p:nvPr/>
+        </p:nvPicPr>
+        <p:blipFill>
+          <a:blip r:embed="rId2">
+            <a:extLst>
+              <a:ext uri="{28A0092B-C50C-407E-A947-70E740481C1C}">
+                <a14:useLocalDpi xmlns:a14="http://schemas.microsoft.com/office/drawing/2010/main" val="0"/>
+              </a:ext>
+            </a:extLst>
+          </a:blip>
+          <a:stretch>
+            <a:fillRect/>
+          </a:stretch>
+        </p:blipFill>
+        <p:spPr>
+          <a:xfrm>
+            <a:off x="3807457" y="-576470"/>
+            <a:ext cx="4376945" cy="4376945"/>
+          </a:xfrm>
+          <a:prstGeom prst="rect">
+            <a:avLst/>
+          </a:prstGeom>
+        </p:spPr>
+      </p:pic>
+      <p:pic>
+        <p:nvPicPr>
+          <p:cNvPr id="15" name="Picture 14"/>
+          <p:cNvPicPr>
+            <a:picLocks noChangeAspect="1"/>
+          </p:cNvPicPr>
+          <p:nvPr/>
+        </p:nvPicPr>
+        <p:blipFill>
+          <a:blip r:embed="rId3">
+            <a:extLst>
+              <a:ext uri="{28A0092B-C50C-407E-A947-70E740481C1C}">
+                <a14:useLocalDpi xmlns:a14="http://schemas.microsoft.com/office/drawing/2010/main" val="0"/>
+              </a:ext>
+            </a:extLst>
+          </a:blip>
+          <a:stretch>
+            <a:fillRect/>
+          </a:stretch>
+        </p:blipFill>
+        <p:spPr>
+          <a:xfrm>
+            <a:off x="7788425" y="614519"/>
+            <a:ext cx="1478711" cy="1478711"/>
+          </a:xfrm>
+          <a:prstGeom prst="rect">
+            <a:avLst/>
+          </a:prstGeom>
+        </p:spPr>
+      </p:pic>
+      <p:pic>
+        <p:nvPicPr>
+          <p:cNvPr id="17" name="Picture 16"/>
+          <p:cNvPicPr>
+            <a:picLocks noChangeAspect="1"/>
+          </p:cNvPicPr>
+          <p:nvPr/>
+        </p:nvPicPr>
+        <p:blipFill>
+          <a:blip r:embed="rId4">
+            <a:extLst>
+              <a:ext uri="{28A0092B-C50C-407E-A947-70E740481C1C}">
+                <a14:useLocalDpi xmlns:a14="http://schemas.microsoft.com/office/drawing/2010/main" val="0"/>
+              </a:ext>
+            </a:extLst>
+          </a:blip>
+          <a:stretch>
+            <a:fillRect/>
+          </a:stretch>
+        </p:blipFill>
+        <p:spPr>
+          <a:xfrm>
+            <a:off x="4451993" y="5048666"/>
+            <a:ext cx="1270000" cy="1651000"/>
+          </a:xfrm>
+          <a:prstGeom prst="rect">
+            <a:avLst/>
+          </a:prstGeom>
+        </p:spPr>
+      </p:pic>
+      <p:pic>
+        <p:nvPicPr>
+          <p:cNvPr id="18" name="Picture 17"/>
+          <p:cNvPicPr>
+            <a:picLocks noChangeAspect="1"/>
+          </p:cNvPicPr>
+          <p:nvPr/>
+        </p:nvPicPr>
+        <p:blipFill>
+          <a:blip r:embed="rId5">
+            <a:extLst>
+              <a:ext uri="{28A0092B-C50C-407E-A947-70E740481C1C}">
+                <a14:useLocalDpi xmlns:a14="http://schemas.microsoft.com/office/drawing/2010/main" val="0"/>
+              </a:ext>
+            </a:extLst>
+          </a:blip>
+          <a:stretch>
+            <a:fillRect/>
+          </a:stretch>
+        </p:blipFill>
+        <p:spPr>
+          <a:xfrm>
+            <a:off x="5995929" y="5048666"/>
+            <a:ext cx="1270000" cy="1651000"/>
+          </a:xfrm>
+          <a:prstGeom prst="rect">
+            <a:avLst/>
+          </a:prstGeom>
+        </p:spPr>
+      </p:pic>
+      <p:pic>
+        <p:nvPicPr>
+          <p:cNvPr id="21" name="Picture 20"/>
+          <p:cNvPicPr>
+            <a:picLocks noChangeAspect="1"/>
+          </p:cNvPicPr>
+          <p:nvPr/>
+        </p:nvPicPr>
+        <p:blipFill>
+          <a:blip r:embed="rId6">
+            <a:extLst>
+              <a:ext uri="{28A0092B-C50C-407E-A947-70E740481C1C}">
+                <a14:useLocalDpi xmlns:a14="http://schemas.microsoft.com/office/drawing/2010/main" val="0"/>
+              </a:ext>
+            </a:extLst>
+          </a:blip>
+          <a:stretch>
+            <a:fillRect/>
+          </a:stretch>
+        </p:blipFill>
+        <p:spPr>
+          <a:xfrm>
+            <a:off x="7595817" y="4456002"/>
+            <a:ext cx="1270000" cy="1651000"/>
+          </a:xfrm>
+          <a:prstGeom prst="rect">
+            <a:avLst/>
+          </a:prstGeom>
+        </p:spPr>
+      </p:pic>
+      <p:pic>
+        <p:nvPicPr>
+          <p:cNvPr id="22" name="Picture 21"/>
+          <p:cNvPicPr>
+            <a:picLocks noChangeAspect="1"/>
+          </p:cNvPicPr>
+          <p:nvPr/>
+        </p:nvPicPr>
+        <p:blipFill>
+          <a:blip r:embed="rId7">
+            <a:extLst>
+              <a:ext uri="{28A0092B-C50C-407E-A947-70E740481C1C}">
+                <a14:useLocalDpi xmlns:a14="http://schemas.microsoft.com/office/drawing/2010/main" val="0"/>
+              </a:ext>
+            </a:extLst>
+          </a:blip>
+          <a:stretch>
+            <a:fillRect/>
+          </a:stretch>
+        </p:blipFill>
+        <p:spPr>
+          <a:xfrm>
+            <a:off x="2924865" y="5048666"/>
+            <a:ext cx="1270000" cy="1651000"/>
+          </a:xfrm>
+          <a:prstGeom prst="rect">
+            <a:avLst/>
+          </a:prstGeom>
+        </p:spPr>
+      </p:pic>
+      <p:pic>
+        <p:nvPicPr>
+          <p:cNvPr id="9" name="Picture 8"/>
+          <p:cNvPicPr>
+            <a:picLocks noChangeAspect="1"/>
+          </p:cNvPicPr>
+          <p:nvPr/>
+        </p:nvPicPr>
+        <p:blipFill>
+          <a:blip r:embed="rId8">
+            <a:extLst>
+              <a:ext uri="{28A0092B-C50C-407E-A947-70E740481C1C}">
+                <a14:useLocalDpi xmlns:a14="http://schemas.microsoft.com/office/drawing/2010/main" val="0"/>
+              </a:ext>
+            </a:extLst>
+          </a:blip>
+          <a:stretch>
+            <a:fillRect/>
+          </a:stretch>
+        </p:blipFill>
+        <p:spPr>
+          <a:xfrm>
+            <a:off x="6288250" y="3280298"/>
+            <a:ext cx="2531852" cy="1301937"/>
+          </a:xfrm>
+          <a:prstGeom prst="rect">
+            <a:avLst/>
+          </a:prstGeom>
+        </p:spPr>
+      </p:pic>
+      <p:sp>
+        <p:nvSpPr>
+          <p:cNvPr id="10" name="Rectangle 9"/>
+          <p:cNvSpPr/>
+          <p:nvPr/>
+        </p:nvSpPr>
+        <p:spPr>
+          <a:xfrm>
+            <a:off x="8081185" y="2023522"/>
+            <a:ext cx="893193" cy="1323439"/>
+          </a:xfrm>
+          <a:prstGeom prst="rect">
+            <a:avLst/>
+          </a:prstGeom>
+          <a:noFill/>
+        </p:spPr>
+        <p:txBody>
+          <a:bodyPr wrap="none" lIns="91440" tIns="45720" rIns="91440" bIns="45720">
+            <a:spAutoFit/>
+          </a:bodyPr>
+          <a:lstStyle/>
+          <a:p>
+            <a:pPr algn="ctr"/>
+            <a:r>
+              <a:rPr lang="mr-IN" sz="8000" dirty="0" smtClean="0">
+                <a:ln w="0"/>
+                <a:solidFill>
+                  <a:schemeClr val="accent1"/>
+                </a:solidFill>
+                <a:effectLst>
+                  <a:outerShdw blurRad="38100" dist="25400" dir="5400000" algn="ctr" rotWithShape="0">
+                    <a:srgbClr val="6E747A">
+                      <a:alpha val="43000"/>
+                    </a:srgbClr>
+                  </a:outerShdw>
+                </a:effectLst>
+              </a:rPr>
+              <a:t>…</a:t>
+            </a:r>
+            <a:endParaRPr lang="en-AU" sz="7200" b="0" cap="none" spc="0" dirty="0">
+              <a:ln w="0"/>
+              <a:solidFill>
+                <a:schemeClr val="accent1"/>
+              </a:solidFill>
+              <a:effectLst>
+                <a:outerShdw blurRad="38100" dist="25400" dir="5400000" algn="ctr" rotWithShape="0">
+                  <a:srgbClr val="6E747A">
+                    <a:alpha val="43000"/>
+                  </a:srgbClr>
+                </a:outerShdw>
+              </a:effectLst>
+            </a:endParaRPr>
+          </a:p>
+        </p:txBody>
+      </p:sp>
+    </p:spTree>
+    <p:extLst>
+      <p:ext uri="{BB962C8B-B14F-4D97-AF65-F5344CB8AC3E}">
+        <p14:creationId xmlns:p14="http://schemas.microsoft.com/office/powerpoint/2010/main" val="1992876754"/>
+      </p:ext>
+    </p:extLst>
+  </p:cSld>
+  <p:clrMapOvr>
+    <a:masterClrMapping/>
+  </p:clrMapOvr>
+  <mc:AlternateContent xmlns:mc="http://schemas.openxmlformats.org/markup-compatibility/2006">
+    <mc:Choice xmlns:p159="http://schemas.microsoft.com/office/powerpoint/2015/09/main" Requires="p159">
+      <p:transition advTm="500">
+        <p159:morph option="byObject"/>
+      </p:transition>
+    </mc:Choice>
+    <mc:Fallback>
+      <p:transition advTm="500">
+        <p:fade/>
+      </p:transition>
+    </mc:Fallback>
+  </mc:AlternateContent>
+  <p:timing>
+    <p:tnLst>
+      <p:par>
+        <p:cTn id="1" dur="indefinite" restart="never" nodeType="tmRoot"/>
+      </p:par>
+    </p:tnLst>
+  </p:timing>
+</p:sld>
+</file>
+
+<file path=ppt/slides/slide27.xml><?xml version="1.0" encoding="utf-8"?>
 <p:sld xmlns:a="http://schemas.openxmlformats.org/drawingml/2006/main" xmlns:r="http://schemas.openxmlformats.org/officeDocument/2006/relationships" xmlns:p="http://schemas.openxmlformats.org/presentationml/2006/main">
   <p:cSld>
     <p:spTree>
@@ -9355,7 +10388,7 @@
   <p:clrMapOvr>
     <a:masterClrMapping/>
   </p:clrMapOvr>
-  <p:transition advTm="1000">
+  <p:transition advTm="500">
     <p:fade/>
   </p:transition>
   <p:timing>
